--- a/session1/presentation/Setup And Management.pptx
+++ b/session1/presentation/Setup And Management.pptx
@@ -12,21 +12,22 @@
     <p:sldId id="271" r:id="rId6"/>
     <p:sldId id="272" r:id="rId7"/>
     <p:sldId id="291" r:id="rId8"/>
-    <p:sldId id="297" r:id="rId9"/>
-    <p:sldId id="296" r:id="rId10"/>
-    <p:sldId id="275" r:id="rId11"/>
-    <p:sldId id="294" r:id="rId12"/>
-    <p:sldId id="293" r:id="rId13"/>
-    <p:sldId id="295" r:id="rId14"/>
-    <p:sldId id="277" r:id="rId15"/>
-    <p:sldId id="278" r:id="rId16"/>
-    <p:sldId id="279" r:id="rId17"/>
-    <p:sldId id="280" r:id="rId18"/>
-    <p:sldId id="281" r:id="rId19"/>
-    <p:sldId id="282" r:id="rId20"/>
-    <p:sldId id="283" r:id="rId21"/>
-    <p:sldId id="284" r:id="rId22"/>
-    <p:sldId id="267" r:id="rId23"/>
+    <p:sldId id="298" r:id="rId9"/>
+    <p:sldId id="297" r:id="rId10"/>
+    <p:sldId id="296" r:id="rId11"/>
+    <p:sldId id="275" r:id="rId12"/>
+    <p:sldId id="294" r:id="rId13"/>
+    <p:sldId id="293" r:id="rId14"/>
+    <p:sldId id="295" r:id="rId15"/>
+    <p:sldId id="277" r:id="rId16"/>
+    <p:sldId id="278" r:id="rId17"/>
+    <p:sldId id="279" r:id="rId18"/>
+    <p:sldId id="280" r:id="rId19"/>
+    <p:sldId id="281" r:id="rId20"/>
+    <p:sldId id="282" r:id="rId21"/>
+    <p:sldId id="283" r:id="rId22"/>
+    <p:sldId id="284" r:id="rId23"/>
+    <p:sldId id="267" r:id="rId24"/>
   </p:sldIdLst>
   <p:sldSz cx="12192000" cy="6858000"/>
   <p:notesSz cx="6858000" cy="9144000"/>
@@ -266,7 +267,7 @@
           <a:p>
             <a:fld id="{1139FA4A-C808-4981-8BA9-64217A6CCEA7}" type="datetimeFigureOut">
               <a:rPr lang="en-US" smtClean="0"/>
-              <a:t>8/30/2017</a:t>
+              <a:t>11/15/2017</a:t>
             </a:fld>
             <a:endParaRPr lang="en-US"/>
           </a:p>
@@ -434,7 +435,7 @@
           <a:p>
             <a:fld id="{1139FA4A-C808-4981-8BA9-64217A6CCEA7}" type="datetimeFigureOut">
               <a:rPr lang="en-US" smtClean="0"/>
-              <a:t>8/30/2017</a:t>
+              <a:t>11/15/2017</a:t>
             </a:fld>
             <a:endParaRPr lang="en-US"/>
           </a:p>
@@ -612,7 +613,7 @@
           <a:p>
             <a:fld id="{1139FA4A-C808-4981-8BA9-64217A6CCEA7}" type="datetimeFigureOut">
               <a:rPr lang="en-US" smtClean="0"/>
-              <a:t>8/30/2017</a:t>
+              <a:t>11/15/2017</a:t>
             </a:fld>
             <a:endParaRPr lang="en-US"/>
           </a:p>
@@ -780,7 +781,7 @@
           <a:p>
             <a:fld id="{1139FA4A-C808-4981-8BA9-64217A6CCEA7}" type="datetimeFigureOut">
               <a:rPr lang="en-US" smtClean="0"/>
-              <a:t>8/30/2017</a:t>
+              <a:t>11/15/2017</a:t>
             </a:fld>
             <a:endParaRPr lang="en-US"/>
           </a:p>
@@ -1025,7 +1026,7 @@
           <a:p>
             <a:fld id="{1139FA4A-C808-4981-8BA9-64217A6CCEA7}" type="datetimeFigureOut">
               <a:rPr lang="en-US" smtClean="0"/>
-              <a:t>8/30/2017</a:t>
+              <a:t>11/15/2017</a:t>
             </a:fld>
             <a:endParaRPr lang="en-US"/>
           </a:p>
@@ -1254,7 +1255,7 @@
           <a:p>
             <a:fld id="{1139FA4A-C808-4981-8BA9-64217A6CCEA7}" type="datetimeFigureOut">
               <a:rPr lang="en-US" smtClean="0"/>
-              <a:t>8/30/2017</a:t>
+              <a:t>11/15/2017</a:t>
             </a:fld>
             <a:endParaRPr lang="en-US"/>
           </a:p>
@@ -1618,7 +1619,7 @@
           <a:p>
             <a:fld id="{1139FA4A-C808-4981-8BA9-64217A6CCEA7}" type="datetimeFigureOut">
               <a:rPr lang="en-US" smtClean="0"/>
-              <a:t>8/30/2017</a:t>
+              <a:t>11/15/2017</a:t>
             </a:fld>
             <a:endParaRPr lang="en-US"/>
           </a:p>
@@ -1735,7 +1736,7 @@
           <a:p>
             <a:fld id="{1139FA4A-C808-4981-8BA9-64217A6CCEA7}" type="datetimeFigureOut">
               <a:rPr lang="en-US" smtClean="0"/>
-              <a:t>8/30/2017</a:t>
+              <a:t>11/15/2017</a:t>
             </a:fld>
             <a:endParaRPr lang="en-US"/>
           </a:p>
@@ -1830,7 +1831,7 @@
           <a:p>
             <a:fld id="{1139FA4A-C808-4981-8BA9-64217A6CCEA7}" type="datetimeFigureOut">
               <a:rPr lang="en-US" smtClean="0"/>
-              <a:t>8/30/2017</a:t>
+              <a:t>11/15/2017</a:t>
             </a:fld>
             <a:endParaRPr lang="en-US"/>
           </a:p>
@@ -2105,7 +2106,7 @@
           <a:p>
             <a:fld id="{1139FA4A-C808-4981-8BA9-64217A6CCEA7}" type="datetimeFigureOut">
               <a:rPr lang="en-US" smtClean="0"/>
-              <a:t>8/30/2017</a:t>
+              <a:t>11/15/2017</a:t>
             </a:fld>
             <a:endParaRPr lang="en-US"/>
           </a:p>
@@ -2357,7 +2358,7 @@
           <a:p>
             <a:fld id="{1139FA4A-C808-4981-8BA9-64217A6CCEA7}" type="datetimeFigureOut">
               <a:rPr lang="en-US" smtClean="0"/>
-              <a:t>8/30/2017</a:t>
+              <a:t>11/15/2017</a:t>
             </a:fld>
             <a:endParaRPr lang="en-US"/>
           </a:p>
@@ -2568,7 +2569,7 @@
           <a:p>
             <a:fld id="{1139FA4A-C808-4981-8BA9-64217A6CCEA7}" type="datetimeFigureOut">
               <a:rPr lang="en-US" smtClean="0"/>
-              <a:t>8/30/2017</a:t>
+              <a:t>11/15/2017</a:t>
             </a:fld>
             <a:endParaRPr lang="en-US"/>
           </a:p>
@@ -3307,6 +3308,567 @@
           <a:p>
             <a:r>
               <a:rPr lang="en-US" dirty="0"/>
+              <a:t>Connect with serial line</a:t>
+            </a:r>
+          </a:p>
+        </p:txBody>
+      </p:sp>
+      <p:sp>
+        <p:nvSpPr>
+          <p:cNvPr id="5" name="AutoShape 2" descr="http://raspberry.piaustralia.com.au/product-images/piwithbox.jpg"/>
+          <p:cNvSpPr>
+            <a:spLocks noChangeAspect="1" noChangeArrowheads="1"/>
+          </p:cNvSpPr>
+          <p:nvPr/>
+        </p:nvSpPr>
+        <p:spPr bwMode="auto">
+          <a:xfrm>
+            <a:off x="63500" y="-136525"/>
+            <a:ext cx="9772650" cy="6343650"/>
+          </a:xfrm>
+          <a:prstGeom prst="rect">
+            <a:avLst/>
+          </a:prstGeom>
+          <a:noFill/>
+          <a:extLst>
+            <a:ext uri="{909E8E84-426E-40DD-AFC4-6F175D3DCCD1}">
+              <a14:hiddenFill xmlns:a14="http://schemas.microsoft.com/office/drawing/2010/main">
+                <a:solidFill>
+                  <a:srgbClr val="FFFFFF"/>
+                </a:solidFill>
+              </a14:hiddenFill>
+            </a:ext>
+          </a:extLst>
+        </p:spPr>
+        <p:txBody>
+          <a:bodyPr vert="horz" wrap="square" lIns="91440" tIns="45720" rIns="91440" bIns="45720" numCol="1" anchor="t" anchorCtr="0" compatLnSpc="1">
+            <a:prstTxWarp prst="textNoShape">
+              <a:avLst/>
+            </a:prstTxWarp>
+          </a:bodyPr>
+          <a:lstStyle/>
+          <a:p>
+            <a:endParaRPr lang="en-US"/>
+          </a:p>
+        </p:txBody>
+      </p:sp>
+      <p:sp>
+        <p:nvSpPr>
+          <p:cNvPr id="6" name="TextBox 5"/>
+          <p:cNvSpPr txBox="1"/>
+          <p:nvPr/>
+        </p:nvSpPr>
+        <p:spPr>
+          <a:xfrm>
+            <a:off x="278295" y="721217"/>
+            <a:ext cx="11357113" cy="5139869"/>
+          </a:xfrm>
+          <a:prstGeom prst="rect">
+            <a:avLst/>
+          </a:prstGeom>
+          <a:noFill/>
+        </p:spPr>
+        <p:txBody>
+          <a:bodyPr wrap="square" rtlCol="0">
+            <a:spAutoFit/>
+          </a:bodyPr>
+          <a:lstStyle/>
+          <a:p>
+            <a:r>
+              <a:rPr lang="en-US" dirty="0"/>
+              <a:t>1) Append the following lines to the </a:t>
+            </a:r>
+            <a:r>
+              <a:rPr lang="en-US" sz="2000" b="1" i="1" dirty="0">
+                <a:solidFill>
+                  <a:srgbClr val="0070C0"/>
+                </a:solidFill>
+                <a:latin typeface="Consolas" panose="020B0609020204030204" pitchFamily="49" charset="0"/>
+                <a:cs typeface="Consolas" panose="020B0609020204030204" pitchFamily="49" charset="0"/>
+              </a:rPr>
+              <a:t>config.txt</a:t>
+            </a:r>
+            <a:r>
+              <a:rPr lang="en-US" dirty="0"/>
+              <a:t> file which is located in the </a:t>
+            </a:r>
+            <a:br>
+              <a:rPr lang="fa-IR" dirty="0"/>
+            </a:br>
+            <a:r>
+              <a:rPr lang="en-US" dirty="0"/>
+              <a:t>root of the card for enable </a:t>
+            </a:r>
+            <a:r>
+              <a:rPr lang="en-US" dirty="0" err="1"/>
+              <a:t>uart</a:t>
+            </a:r>
+            <a:r>
+              <a:rPr lang="en-US" dirty="0"/>
+              <a:t>:</a:t>
+            </a:r>
+          </a:p>
+          <a:p>
+            <a:endParaRPr lang="en-US" dirty="0"/>
+          </a:p>
+          <a:p>
+            <a:r>
+              <a:rPr lang="en-US" sz="2000" b="1" i="1" dirty="0" err="1">
+                <a:solidFill>
+                  <a:srgbClr val="0070C0"/>
+                </a:solidFill>
+                <a:latin typeface="Consolas" panose="020B0609020204030204" pitchFamily="49" charset="0"/>
+              </a:rPr>
+              <a:t>enable_uart</a:t>
+            </a:r>
+            <a:r>
+              <a:rPr lang="en-US" sz="2000" b="1" i="1" dirty="0">
+                <a:solidFill>
+                  <a:srgbClr val="0070C0"/>
+                </a:solidFill>
+                <a:latin typeface="Consolas" panose="020B0609020204030204" pitchFamily="49" charset="0"/>
+              </a:rPr>
+              <a:t>=1</a:t>
+            </a:r>
+            <a:endParaRPr lang="en-US" dirty="0"/>
+          </a:p>
+          <a:p>
+            <a:endParaRPr lang="en-US" dirty="0"/>
+          </a:p>
+          <a:p>
+            <a:r>
+              <a:rPr lang="en-US" dirty="0"/>
+              <a:t>2) Connect with putty.</a:t>
+            </a:r>
+          </a:p>
+          <a:p>
+            <a:br>
+              <a:rPr lang="en-US" dirty="0"/>
+            </a:br>
+            <a:r>
+              <a:rPr lang="en-US" dirty="0"/>
+              <a:t>3)</a:t>
+            </a:r>
+            <a:r>
+              <a:rPr lang="en-US" b="1" dirty="0"/>
+              <a:t> </a:t>
+            </a:r>
+            <a:r>
+              <a:rPr lang="en-US" dirty="0"/>
+              <a:t>change network settings:</a:t>
+            </a:r>
+          </a:p>
+          <a:p>
+            <a:endParaRPr lang="en-US" dirty="0"/>
+          </a:p>
+          <a:p>
+            <a:r>
+              <a:rPr lang="en-US" b="1" i="1" dirty="0" err="1">
+                <a:solidFill>
+                  <a:srgbClr val="0070C0"/>
+                </a:solidFill>
+                <a:latin typeface="Consolas" panose="020B0609020204030204" pitchFamily="49" charset="0"/>
+              </a:rPr>
+              <a:t>sudo</a:t>
+            </a:r>
+            <a:r>
+              <a:rPr lang="en-US" b="1" i="1" dirty="0">
+                <a:solidFill>
+                  <a:srgbClr val="0070C0"/>
+                </a:solidFill>
+                <a:latin typeface="Consolas" panose="020B0609020204030204" pitchFamily="49" charset="0"/>
+              </a:rPr>
+              <a:t> </a:t>
+            </a:r>
+            <a:r>
+              <a:rPr lang="en-US" b="1" i="1" dirty="0" err="1">
+                <a:solidFill>
+                  <a:srgbClr val="0070C0"/>
+                </a:solidFill>
+                <a:latin typeface="Consolas" panose="020B0609020204030204" pitchFamily="49" charset="0"/>
+              </a:rPr>
+              <a:t>nano</a:t>
+            </a:r>
+            <a:r>
+              <a:rPr lang="en-US" b="1" i="1" dirty="0">
+                <a:solidFill>
+                  <a:srgbClr val="0070C0"/>
+                </a:solidFill>
+                <a:latin typeface="Consolas" panose="020B0609020204030204" pitchFamily="49" charset="0"/>
+              </a:rPr>
+              <a:t> </a:t>
+            </a:r>
+            <a:r>
+              <a:rPr lang="fr-FR" b="1" i="1" dirty="0">
+                <a:solidFill>
+                  <a:srgbClr val="0070C0"/>
+                </a:solidFill>
+                <a:latin typeface="Consolas" panose="020B0609020204030204" pitchFamily="49" charset="0"/>
+              </a:rPr>
+              <a:t>/</a:t>
+            </a:r>
+            <a:r>
+              <a:rPr lang="fr-FR" b="1" i="1" dirty="0" err="1">
+                <a:solidFill>
+                  <a:srgbClr val="0070C0"/>
+                </a:solidFill>
+                <a:latin typeface="Consolas" panose="020B0609020204030204" pitchFamily="49" charset="0"/>
+              </a:rPr>
+              <a:t>etc</a:t>
+            </a:r>
+            <a:r>
+              <a:rPr lang="fr-FR" b="1" i="1" dirty="0">
+                <a:solidFill>
+                  <a:srgbClr val="0070C0"/>
+                </a:solidFill>
+                <a:latin typeface="Consolas" panose="020B0609020204030204" pitchFamily="49" charset="0"/>
+              </a:rPr>
+              <a:t>/</a:t>
+            </a:r>
+            <a:r>
+              <a:rPr lang="fr-FR" b="1" i="1" dirty="0" err="1">
+                <a:solidFill>
+                  <a:srgbClr val="0070C0"/>
+                </a:solidFill>
+                <a:latin typeface="Consolas" panose="020B0609020204030204" pitchFamily="49" charset="0"/>
+              </a:rPr>
+              <a:t>wpa_supplicant</a:t>
+            </a:r>
+            <a:r>
+              <a:rPr lang="fr-FR" b="1" i="1" dirty="0">
+                <a:solidFill>
+                  <a:srgbClr val="0070C0"/>
+                </a:solidFill>
+                <a:latin typeface="Consolas" panose="020B0609020204030204" pitchFamily="49" charset="0"/>
+              </a:rPr>
+              <a:t>/</a:t>
+            </a:r>
+            <a:r>
+              <a:rPr lang="fr-FR" b="1" i="1" dirty="0" err="1">
+                <a:solidFill>
+                  <a:srgbClr val="0070C0"/>
+                </a:solidFill>
+                <a:latin typeface="Consolas" panose="020B0609020204030204" pitchFamily="49" charset="0"/>
+              </a:rPr>
+              <a:t>wpa_supplicant.conf</a:t>
+            </a:r>
+            <a:endParaRPr lang="en-US" dirty="0"/>
+          </a:p>
+          <a:p>
+            <a:endParaRPr lang="en-US" dirty="0"/>
+          </a:p>
+          <a:p>
+            <a:r>
+              <a:rPr lang="en-US" dirty="0"/>
+              <a:t>And add the following lines to end of file:</a:t>
+            </a:r>
+          </a:p>
+          <a:p>
+            <a:endParaRPr lang="en-US" dirty="0"/>
+          </a:p>
+          <a:p>
+            <a:r>
+              <a:rPr lang="en-US" b="1" i="1" dirty="0">
+                <a:solidFill>
+                  <a:srgbClr val="0070C0"/>
+                </a:solidFill>
+                <a:latin typeface="Consolas" panose="020B0609020204030204" pitchFamily="49" charset="0"/>
+              </a:rPr>
+              <a:t>network={	</a:t>
+            </a:r>
+          </a:p>
+          <a:p>
+            <a:r>
+              <a:rPr lang="en-US" b="1" i="1" dirty="0">
+                <a:solidFill>
+                  <a:srgbClr val="0070C0"/>
+                </a:solidFill>
+                <a:latin typeface="Consolas" panose="020B0609020204030204" pitchFamily="49" charset="0"/>
+              </a:rPr>
+              <a:t>	</a:t>
+            </a:r>
+            <a:r>
+              <a:rPr lang="en-US" b="1" i="1" dirty="0" err="1">
+                <a:solidFill>
+                  <a:srgbClr val="0070C0"/>
+                </a:solidFill>
+                <a:latin typeface="Consolas" panose="020B0609020204030204" pitchFamily="49" charset="0"/>
+              </a:rPr>
+              <a:t>ssid</a:t>
+            </a:r>
+            <a:r>
+              <a:rPr lang="en-US" b="1" i="1" dirty="0">
+                <a:solidFill>
+                  <a:srgbClr val="0070C0"/>
+                </a:solidFill>
+                <a:latin typeface="Consolas" panose="020B0609020204030204" pitchFamily="49" charset="0"/>
+              </a:rPr>
+              <a:t>="AndroidAP2"	</a:t>
+            </a:r>
+          </a:p>
+          <a:p>
+            <a:r>
+              <a:rPr lang="en-US" b="1" i="1" dirty="0">
+                <a:solidFill>
+                  <a:srgbClr val="0070C0"/>
+                </a:solidFill>
+                <a:latin typeface="Consolas" panose="020B0609020204030204" pitchFamily="49" charset="0"/>
+              </a:rPr>
+              <a:t>	</a:t>
+            </a:r>
+            <a:r>
+              <a:rPr lang="en-US" b="1" i="1" dirty="0" err="1">
+                <a:solidFill>
+                  <a:srgbClr val="0070C0"/>
+                </a:solidFill>
+                <a:latin typeface="Consolas" panose="020B0609020204030204" pitchFamily="49" charset="0"/>
+              </a:rPr>
+              <a:t>psk</a:t>
+            </a:r>
+            <a:r>
+              <a:rPr lang="en-US" b="1" i="1" dirty="0">
+                <a:solidFill>
+                  <a:srgbClr val="0070C0"/>
+                </a:solidFill>
+                <a:latin typeface="Consolas" panose="020B0609020204030204" pitchFamily="49" charset="0"/>
+              </a:rPr>
+              <a:t>="cfjr8062123"	</a:t>
+            </a:r>
+          </a:p>
+          <a:p>
+            <a:r>
+              <a:rPr lang="en-US" b="1" i="1" dirty="0">
+                <a:solidFill>
+                  <a:srgbClr val="0070C0"/>
+                </a:solidFill>
+                <a:latin typeface="Consolas" panose="020B0609020204030204" pitchFamily="49" charset="0"/>
+              </a:rPr>
+              <a:t>	</a:t>
+            </a:r>
+            <a:r>
+              <a:rPr lang="en-US" b="1" i="1" dirty="0" err="1">
+                <a:solidFill>
+                  <a:srgbClr val="0070C0"/>
+                </a:solidFill>
+                <a:latin typeface="Consolas" panose="020B0609020204030204" pitchFamily="49" charset="0"/>
+              </a:rPr>
+              <a:t>key_mgmt</a:t>
+            </a:r>
+            <a:r>
+              <a:rPr lang="en-US" b="1" i="1" dirty="0">
+                <a:solidFill>
+                  <a:srgbClr val="0070C0"/>
+                </a:solidFill>
+                <a:latin typeface="Consolas" panose="020B0609020204030204" pitchFamily="49" charset="0"/>
+              </a:rPr>
+              <a:t>=WPA-PSK</a:t>
+            </a:r>
+          </a:p>
+          <a:p>
+            <a:r>
+              <a:rPr lang="en-US" b="1" i="1" dirty="0">
+                <a:solidFill>
+                  <a:srgbClr val="0070C0"/>
+                </a:solidFill>
+                <a:latin typeface="Consolas" panose="020B0609020204030204" pitchFamily="49" charset="0"/>
+              </a:rPr>
+              <a:t>}</a:t>
+            </a:r>
+            <a:endParaRPr lang="en-US" dirty="0"/>
+          </a:p>
+        </p:txBody>
+      </p:sp>
+      <p:pic>
+        <p:nvPicPr>
+          <p:cNvPr id="9" name="Picture 8"/>
+          <p:cNvPicPr>
+            <a:picLocks noChangeAspect="1"/>
+          </p:cNvPicPr>
+          <p:nvPr/>
+        </p:nvPicPr>
+        <p:blipFill>
+          <a:blip r:embed="rId2"/>
+          <a:stretch>
+            <a:fillRect/>
+          </a:stretch>
+        </p:blipFill>
+        <p:spPr>
+          <a:xfrm>
+            <a:off x="7420646" y="1442433"/>
+            <a:ext cx="4305300" cy="4162425"/>
+          </a:xfrm>
+          <a:prstGeom prst="rect">
+            <a:avLst/>
+          </a:prstGeom>
+        </p:spPr>
+      </p:pic>
+    </p:spTree>
+    <p:extLst>
+      <p:ext uri="{BB962C8B-B14F-4D97-AF65-F5344CB8AC3E}">
+        <p14:creationId xmlns:p14="http://schemas.microsoft.com/office/powerpoint/2010/main" val="661765175"/>
+      </p:ext>
+    </p:extLst>
+  </p:cSld>
+  <p:clrMapOvr>
+    <a:masterClrMapping/>
+  </p:clrMapOvr>
+</p:sld>
+</file>
+
+<file path=ppt/slides/slide11.xml><?xml version="1.0" encoding="utf-8"?>
+<p:sld xmlns:a="http://schemas.openxmlformats.org/drawingml/2006/main" xmlns:r="http://schemas.openxmlformats.org/officeDocument/2006/relationships" xmlns:p="http://schemas.openxmlformats.org/presentationml/2006/main">
+  <p:cSld>
+    <p:spTree>
+      <p:nvGrpSpPr>
+        <p:cNvPr id="1" name=""/>
+        <p:cNvGrpSpPr/>
+        <p:nvPr/>
+      </p:nvGrpSpPr>
+      <p:grpSpPr>
+        <a:xfrm>
+          <a:off x="0" y="0"/>
+          <a:ext cx="0" cy="0"/>
+          <a:chOff x="0" y="0"/>
+          <a:chExt cx="0" cy="0"/>
+        </a:xfrm>
+      </p:grpSpPr>
+      <p:sp>
+        <p:nvSpPr>
+          <p:cNvPr id="4" name="Title 1"/>
+          <p:cNvSpPr txBox="1">
+            <a:spLocks/>
+          </p:cNvSpPr>
+          <p:nvPr/>
+        </p:nvSpPr>
+        <p:spPr>
+          <a:xfrm>
+            <a:off x="0" y="1"/>
+            <a:ext cx="12192000" cy="721216"/>
+          </a:xfrm>
+          <a:prstGeom prst="rect">
+            <a:avLst/>
+          </a:prstGeom>
+        </p:spPr>
+        <p:style>
+          <a:lnRef idx="0">
+            <a:schemeClr val="accent1"/>
+          </a:lnRef>
+          <a:fillRef idx="3">
+            <a:schemeClr val="accent1"/>
+          </a:fillRef>
+          <a:effectRef idx="3">
+            <a:schemeClr val="accent1"/>
+          </a:effectRef>
+          <a:fontRef idx="minor">
+            <a:schemeClr val="lt1"/>
+          </a:fontRef>
+        </p:style>
+        <p:txBody>
+          <a:bodyPr vert="horz" lIns="91440" tIns="45720" rIns="91440" bIns="45720" rtlCol="0" anchor="ctr">
+            <a:normAutofit/>
+          </a:bodyPr>
+          <a:lstStyle>
+            <a:lvl1pPr algn="l" defTabSz="914400" rtl="0" eaLnBrk="1" latinLnBrk="0" hangingPunct="1">
+              <a:lnSpc>
+                <a:spcPct val="90000"/>
+              </a:lnSpc>
+              <a:spcBef>
+                <a:spcPct val="0"/>
+              </a:spcBef>
+              <a:buNone/>
+              <a:defRPr sz="4400" kern="1200">
+                <a:solidFill>
+                  <a:schemeClr val="lt1"/>
+                </a:solidFill>
+                <a:latin typeface="+mn-lt"/>
+                <a:ea typeface="+mn-ea"/>
+                <a:cs typeface="+mn-cs"/>
+              </a:defRPr>
+            </a:lvl1pPr>
+            <a:lvl2pPr>
+              <a:defRPr>
+                <a:solidFill>
+                  <a:schemeClr val="lt1"/>
+                </a:solidFill>
+                <a:latin typeface="+mn-lt"/>
+                <a:ea typeface="+mn-ea"/>
+                <a:cs typeface="+mn-cs"/>
+              </a:defRPr>
+            </a:lvl2pPr>
+            <a:lvl3pPr>
+              <a:defRPr>
+                <a:solidFill>
+                  <a:schemeClr val="lt1"/>
+                </a:solidFill>
+                <a:latin typeface="+mn-lt"/>
+                <a:ea typeface="+mn-ea"/>
+                <a:cs typeface="+mn-cs"/>
+              </a:defRPr>
+            </a:lvl3pPr>
+            <a:lvl4pPr>
+              <a:defRPr>
+                <a:solidFill>
+                  <a:schemeClr val="lt1"/>
+                </a:solidFill>
+                <a:latin typeface="+mn-lt"/>
+                <a:ea typeface="+mn-ea"/>
+                <a:cs typeface="+mn-cs"/>
+              </a:defRPr>
+            </a:lvl4pPr>
+            <a:lvl5pPr>
+              <a:defRPr>
+                <a:solidFill>
+                  <a:schemeClr val="lt1"/>
+                </a:solidFill>
+                <a:latin typeface="+mn-lt"/>
+                <a:ea typeface="+mn-ea"/>
+                <a:cs typeface="+mn-cs"/>
+              </a:defRPr>
+            </a:lvl5pPr>
+            <a:lvl6pPr>
+              <a:defRPr>
+                <a:solidFill>
+                  <a:schemeClr val="lt1"/>
+                </a:solidFill>
+                <a:latin typeface="+mn-lt"/>
+                <a:ea typeface="+mn-ea"/>
+                <a:cs typeface="+mn-cs"/>
+              </a:defRPr>
+            </a:lvl6pPr>
+            <a:lvl7pPr>
+              <a:defRPr>
+                <a:solidFill>
+                  <a:schemeClr val="lt1"/>
+                </a:solidFill>
+                <a:latin typeface="+mn-lt"/>
+                <a:ea typeface="+mn-ea"/>
+                <a:cs typeface="+mn-cs"/>
+              </a:defRPr>
+            </a:lvl7pPr>
+            <a:lvl8pPr>
+              <a:defRPr>
+                <a:solidFill>
+                  <a:schemeClr val="lt1"/>
+                </a:solidFill>
+                <a:latin typeface="+mn-lt"/>
+                <a:ea typeface="+mn-ea"/>
+                <a:cs typeface="+mn-cs"/>
+              </a:defRPr>
+            </a:lvl8pPr>
+            <a:lvl9pPr>
+              <a:defRPr>
+                <a:solidFill>
+                  <a:schemeClr val="lt1"/>
+                </a:solidFill>
+                <a:latin typeface="+mn-lt"/>
+                <a:ea typeface="+mn-ea"/>
+                <a:cs typeface="+mn-cs"/>
+              </a:defRPr>
+            </a:lvl9pPr>
+          </a:lstStyle>
+          <a:p>
+            <a:r>
+              <a:rPr lang="en-US" dirty="0"/>
               <a:t>Using All the Storage on the SD Card </a:t>
             </a:r>
           </a:p>
@@ -3487,7 +4049,7 @@
 </p:sld>
 </file>
 
-<file path=ppt/slides/slide11.xml><?xml version="1.0" encoding="utf-8"?>
+<file path=ppt/slides/slide12.xml><?xml version="1.0" encoding="utf-8"?>
 <p:sld xmlns:a="http://schemas.openxmlformats.org/drawingml/2006/main" xmlns:r="http://schemas.openxmlformats.org/officeDocument/2006/relationships" xmlns:p="http://schemas.openxmlformats.org/presentationml/2006/main">
   <p:cSld>
     <p:spTree>
@@ -3954,7 +4516,7 @@
 </p:sld>
 </file>
 
-<file path=ppt/slides/slide12.xml><?xml version="1.0" encoding="utf-8"?>
+<file path=ppt/slides/slide13.xml><?xml version="1.0" encoding="utf-8"?>
 <p:sld xmlns:a="http://schemas.openxmlformats.org/drawingml/2006/main" xmlns:r="http://schemas.openxmlformats.org/officeDocument/2006/relationships" xmlns:p="http://schemas.openxmlformats.org/presentationml/2006/main">
   <p:cSld>
     <p:spTree>
@@ -4376,7 +4938,7 @@
 </p:sld>
 </file>
 
-<file path=ppt/slides/slide13.xml><?xml version="1.0" encoding="utf-8"?>
+<file path=ppt/slides/slide14.xml><?xml version="1.0" encoding="utf-8"?>
 <p:sld xmlns:a="http://schemas.openxmlformats.org/drawingml/2006/main" xmlns:r="http://schemas.openxmlformats.org/officeDocument/2006/relationships" xmlns:p="http://schemas.openxmlformats.org/presentationml/2006/main">
   <p:cSld>
     <p:spTree>
@@ -5256,7 +5818,7 @@
 </p:sld>
 </file>
 
-<file path=ppt/slides/slide14.xml><?xml version="1.0" encoding="utf-8"?>
+<file path=ppt/slides/slide15.xml><?xml version="1.0" encoding="utf-8"?>
 <p:sld xmlns:a="http://schemas.openxmlformats.org/drawingml/2006/main" xmlns:r="http://schemas.openxmlformats.org/officeDocument/2006/relationships" xmlns:p="http://schemas.openxmlformats.org/presentationml/2006/main">
   <p:cSld>
     <p:spTree>
@@ -5685,7 +6247,7 @@
 </p:sld>
 </file>
 
-<file path=ppt/slides/slide15.xml><?xml version="1.0" encoding="utf-8"?>
+<file path=ppt/slides/slide16.xml><?xml version="1.0" encoding="utf-8"?>
 <p:sld xmlns:a="http://schemas.openxmlformats.org/drawingml/2006/main" xmlns:r="http://schemas.openxmlformats.org/officeDocument/2006/relationships" xmlns:p="http://schemas.openxmlformats.org/presentationml/2006/main">
   <p:cSld>
     <p:spTree>
@@ -6064,7 +6626,7 @@
 </p:sld>
 </file>
 
-<file path=ppt/slides/slide16.xml><?xml version="1.0" encoding="utf-8"?>
+<file path=ppt/slides/slide17.xml><?xml version="1.0" encoding="utf-8"?>
 <p:sld xmlns:a="http://schemas.openxmlformats.org/drawingml/2006/main" xmlns:r="http://schemas.openxmlformats.org/officeDocument/2006/relationships" xmlns:p="http://schemas.openxmlformats.org/presentationml/2006/main">
   <p:cSld>
     <p:spTree>
@@ -6501,7 +7063,7 @@
 </p:sld>
 </file>
 
-<file path=ppt/slides/slide17.xml><?xml version="1.0" encoding="utf-8"?>
+<file path=ppt/slides/slide18.xml><?xml version="1.0" encoding="utf-8"?>
 <p:sld xmlns:a="http://schemas.openxmlformats.org/drawingml/2006/main" xmlns:r="http://schemas.openxmlformats.org/officeDocument/2006/relationships" xmlns:p="http://schemas.openxmlformats.org/presentationml/2006/main">
   <p:cSld>
     <p:spTree>
@@ -6736,7 +7298,7 @@
 </p:sld>
 </file>
 
-<file path=ppt/slides/slide18.xml><?xml version="1.0" encoding="utf-8"?>
+<file path=ppt/slides/slide19.xml><?xml version="1.0" encoding="utf-8"?>
 <p:sld xmlns:a="http://schemas.openxmlformats.org/drawingml/2006/main" xmlns:r="http://schemas.openxmlformats.org/officeDocument/2006/relationships" xmlns:p="http://schemas.openxmlformats.org/presentationml/2006/main">
   <p:cSld>
     <p:spTree>
@@ -7309,7 +7871,289 @@
 </p:sld>
 </file>
 
-<file path=ppt/slides/slide19.xml><?xml version="1.0" encoding="utf-8"?>
+<file path=ppt/slides/slide2.xml><?xml version="1.0" encoding="utf-8"?>
+<p:sld xmlns:a="http://schemas.openxmlformats.org/drawingml/2006/main" xmlns:r="http://schemas.openxmlformats.org/officeDocument/2006/relationships" xmlns:p="http://schemas.openxmlformats.org/presentationml/2006/main">
+  <p:cSld>
+    <p:spTree>
+      <p:nvGrpSpPr>
+        <p:cNvPr id="1" name=""/>
+        <p:cNvGrpSpPr/>
+        <p:nvPr/>
+      </p:nvGrpSpPr>
+      <p:grpSpPr>
+        <a:xfrm>
+          <a:off x="0" y="0"/>
+          <a:ext cx="0" cy="0"/>
+          <a:chOff x="0" y="0"/>
+          <a:chExt cx="0" cy="0"/>
+        </a:xfrm>
+      </p:grpSpPr>
+      <p:sp>
+        <p:nvSpPr>
+          <p:cNvPr id="4" name="Title 1"/>
+          <p:cNvSpPr txBox="1">
+            <a:spLocks/>
+          </p:cNvSpPr>
+          <p:nvPr/>
+        </p:nvSpPr>
+        <p:spPr>
+          <a:xfrm>
+            <a:off x="0" y="1"/>
+            <a:ext cx="12192000" cy="721216"/>
+          </a:xfrm>
+          <a:prstGeom prst="rect">
+            <a:avLst/>
+          </a:prstGeom>
+        </p:spPr>
+        <p:style>
+          <a:lnRef idx="0">
+            <a:schemeClr val="accent1"/>
+          </a:lnRef>
+          <a:fillRef idx="3">
+            <a:schemeClr val="accent1"/>
+          </a:fillRef>
+          <a:effectRef idx="3">
+            <a:schemeClr val="accent1"/>
+          </a:effectRef>
+          <a:fontRef idx="minor">
+            <a:schemeClr val="lt1"/>
+          </a:fontRef>
+        </p:style>
+        <p:txBody>
+          <a:bodyPr vert="horz" lIns="91440" tIns="45720" rIns="91440" bIns="45720" rtlCol="0" anchor="ctr">
+            <a:normAutofit/>
+          </a:bodyPr>
+          <a:lstStyle>
+            <a:lvl1pPr algn="l" defTabSz="914400" rtl="0" eaLnBrk="1" latinLnBrk="0" hangingPunct="1">
+              <a:lnSpc>
+                <a:spcPct val="90000"/>
+              </a:lnSpc>
+              <a:spcBef>
+                <a:spcPct val="0"/>
+              </a:spcBef>
+              <a:buNone/>
+              <a:defRPr sz="4400" kern="1200">
+                <a:solidFill>
+                  <a:schemeClr val="lt1"/>
+                </a:solidFill>
+                <a:latin typeface="+mn-lt"/>
+                <a:ea typeface="+mn-ea"/>
+                <a:cs typeface="+mn-cs"/>
+              </a:defRPr>
+            </a:lvl1pPr>
+            <a:lvl2pPr>
+              <a:defRPr>
+                <a:solidFill>
+                  <a:schemeClr val="lt1"/>
+                </a:solidFill>
+                <a:latin typeface="+mn-lt"/>
+                <a:ea typeface="+mn-ea"/>
+                <a:cs typeface="+mn-cs"/>
+              </a:defRPr>
+            </a:lvl2pPr>
+            <a:lvl3pPr>
+              <a:defRPr>
+                <a:solidFill>
+                  <a:schemeClr val="lt1"/>
+                </a:solidFill>
+                <a:latin typeface="+mn-lt"/>
+                <a:ea typeface="+mn-ea"/>
+                <a:cs typeface="+mn-cs"/>
+              </a:defRPr>
+            </a:lvl3pPr>
+            <a:lvl4pPr>
+              <a:defRPr>
+                <a:solidFill>
+                  <a:schemeClr val="lt1"/>
+                </a:solidFill>
+                <a:latin typeface="+mn-lt"/>
+                <a:ea typeface="+mn-ea"/>
+                <a:cs typeface="+mn-cs"/>
+              </a:defRPr>
+            </a:lvl4pPr>
+            <a:lvl5pPr>
+              <a:defRPr>
+                <a:solidFill>
+                  <a:schemeClr val="lt1"/>
+                </a:solidFill>
+                <a:latin typeface="+mn-lt"/>
+                <a:ea typeface="+mn-ea"/>
+                <a:cs typeface="+mn-cs"/>
+              </a:defRPr>
+            </a:lvl5pPr>
+            <a:lvl6pPr>
+              <a:defRPr>
+                <a:solidFill>
+                  <a:schemeClr val="lt1"/>
+                </a:solidFill>
+                <a:latin typeface="+mn-lt"/>
+                <a:ea typeface="+mn-ea"/>
+                <a:cs typeface="+mn-cs"/>
+              </a:defRPr>
+            </a:lvl6pPr>
+            <a:lvl7pPr>
+              <a:defRPr>
+                <a:solidFill>
+                  <a:schemeClr val="lt1"/>
+                </a:solidFill>
+                <a:latin typeface="+mn-lt"/>
+                <a:ea typeface="+mn-ea"/>
+                <a:cs typeface="+mn-cs"/>
+              </a:defRPr>
+            </a:lvl7pPr>
+            <a:lvl8pPr>
+              <a:defRPr>
+                <a:solidFill>
+                  <a:schemeClr val="lt1"/>
+                </a:solidFill>
+                <a:latin typeface="+mn-lt"/>
+                <a:ea typeface="+mn-ea"/>
+                <a:cs typeface="+mn-cs"/>
+              </a:defRPr>
+            </a:lvl8pPr>
+            <a:lvl9pPr>
+              <a:defRPr>
+                <a:solidFill>
+                  <a:schemeClr val="lt1"/>
+                </a:solidFill>
+                <a:latin typeface="+mn-lt"/>
+                <a:ea typeface="+mn-ea"/>
+                <a:cs typeface="+mn-cs"/>
+              </a:defRPr>
+            </a:lvl9pPr>
+          </a:lstStyle>
+          <a:p>
+            <a:r>
+              <a:rPr lang="en-US" dirty="0"/>
+              <a:t>Introduction</a:t>
+            </a:r>
+          </a:p>
+        </p:txBody>
+      </p:sp>
+      <p:sp>
+        <p:nvSpPr>
+          <p:cNvPr id="2" name="TextBox 1"/>
+          <p:cNvSpPr txBox="1"/>
+          <p:nvPr/>
+        </p:nvSpPr>
+        <p:spPr>
+          <a:xfrm>
+            <a:off x="291548" y="1046922"/>
+            <a:ext cx="11357113" cy="1938992"/>
+          </a:xfrm>
+          <a:prstGeom prst="rect">
+            <a:avLst/>
+          </a:prstGeom>
+          <a:noFill/>
+        </p:spPr>
+        <p:txBody>
+          <a:bodyPr wrap="square" rtlCol="0">
+            <a:spAutoFit/>
+          </a:bodyPr>
+          <a:lstStyle/>
+          <a:p>
+            <a:pPr marL="342900" indent="-342900">
+              <a:buFont typeface="Arial" panose="020B0604020202020204" pitchFamily="34" charset="0"/>
+              <a:buChar char="•"/>
+            </a:pPr>
+            <a:r>
+              <a:rPr lang="en-US" sz="2000" dirty="0"/>
+              <a:t> the Raspberry Pi has found a role both as a </a:t>
+            </a:r>
+            <a:r>
+              <a:rPr lang="en-US" sz="2000" b="1" dirty="0">
+                <a:solidFill>
+                  <a:srgbClr val="FF0000"/>
+                </a:solidFill>
+              </a:rPr>
+              <a:t>very low-cost Linux based computer </a:t>
+            </a:r>
+            <a:r>
+              <a:rPr lang="en-US" sz="2000" dirty="0"/>
+              <a:t>and as a platform for embedded computing</a:t>
+            </a:r>
+          </a:p>
+          <a:p>
+            <a:pPr marL="342900" indent="-342900">
+              <a:buFont typeface="Arial" panose="020B0604020202020204" pitchFamily="34" charset="0"/>
+              <a:buChar char="•"/>
+            </a:pPr>
+            <a:endParaRPr lang="en-US" sz="2000" dirty="0"/>
+          </a:p>
+          <a:p>
+            <a:pPr marL="342900" indent="-342900">
+              <a:buFont typeface="Arial" panose="020B0604020202020204" pitchFamily="34" charset="0"/>
+              <a:buChar char="•"/>
+            </a:pPr>
+            <a:r>
+              <a:rPr lang="en-US" sz="2000" dirty="0"/>
+              <a:t>When you buy a Raspberry Pi, you are essentially buying an assembled printed circuit board. It does not even include a power supply or operating system. </a:t>
+            </a:r>
+          </a:p>
+          <a:p>
+            <a:pPr marL="342900" indent="-342900">
+              <a:buFont typeface="Arial" panose="020B0604020202020204" pitchFamily="34" charset="0"/>
+              <a:buChar char="•"/>
+            </a:pPr>
+            <a:endParaRPr lang="en-US" sz="2000" dirty="0"/>
+          </a:p>
+        </p:txBody>
+      </p:sp>
+      <p:pic>
+        <p:nvPicPr>
+          <p:cNvPr id="2050" name="Picture 2" descr="https://www.pi-supply.com/wp-content/uploads/2016/02/piwithbox-nosd.jpg"/>
+          <p:cNvPicPr>
+            <a:picLocks noChangeAspect="1" noChangeArrowheads="1"/>
+          </p:cNvPicPr>
+          <p:nvPr/>
+        </p:nvPicPr>
+        <p:blipFill>
+          <a:blip r:embed="rId2">
+            <a:extLst>
+              <a:ext uri="{28A0092B-C50C-407E-A947-70E740481C1C}">
+                <a14:useLocalDpi xmlns:a14="http://schemas.microsoft.com/office/drawing/2010/main" val="0"/>
+              </a:ext>
+            </a:extLst>
+          </a:blip>
+          <a:srcRect/>
+          <a:stretch>
+            <a:fillRect/>
+          </a:stretch>
+        </p:blipFill>
+        <p:spPr bwMode="auto">
+          <a:xfrm>
+            <a:off x="3380755" y="2736092"/>
+            <a:ext cx="4583802" cy="4583802"/>
+          </a:xfrm>
+          <a:prstGeom prst="rect">
+            <a:avLst/>
+          </a:prstGeom>
+          <a:noFill/>
+          <a:extLst>
+            <a:ext uri="{909E8E84-426E-40DD-AFC4-6F175D3DCCD1}">
+              <a14:hiddenFill xmlns:a14="http://schemas.microsoft.com/office/drawing/2010/main">
+                <a:solidFill>
+                  <a:srgbClr val="FFFFFF"/>
+                </a:solidFill>
+              </a14:hiddenFill>
+            </a:ext>
+          </a:extLst>
+        </p:spPr>
+      </p:pic>
+    </p:spTree>
+    <p:extLst>
+      <p:ext uri="{BB962C8B-B14F-4D97-AF65-F5344CB8AC3E}">
+        <p14:creationId xmlns:p14="http://schemas.microsoft.com/office/powerpoint/2010/main" val="4194675579"/>
+      </p:ext>
+    </p:extLst>
+  </p:cSld>
+  <p:clrMapOvr>
+    <a:masterClrMapping/>
+  </p:clrMapOvr>
+</p:sld>
+</file>
+
+<file path=ppt/slides/slide20.xml><?xml version="1.0" encoding="utf-8"?>
 <p:sld xmlns:a="http://schemas.openxmlformats.org/drawingml/2006/main" xmlns:r="http://schemas.openxmlformats.org/officeDocument/2006/relationships" xmlns:p="http://schemas.openxmlformats.org/presentationml/2006/main">
   <p:cSld>
     <p:spTree>
@@ -7544,289 +8388,7 @@
 </p:sld>
 </file>
 
-<file path=ppt/slides/slide2.xml><?xml version="1.0" encoding="utf-8"?>
-<p:sld xmlns:a="http://schemas.openxmlformats.org/drawingml/2006/main" xmlns:r="http://schemas.openxmlformats.org/officeDocument/2006/relationships" xmlns:p="http://schemas.openxmlformats.org/presentationml/2006/main">
-  <p:cSld>
-    <p:spTree>
-      <p:nvGrpSpPr>
-        <p:cNvPr id="1" name=""/>
-        <p:cNvGrpSpPr/>
-        <p:nvPr/>
-      </p:nvGrpSpPr>
-      <p:grpSpPr>
-        <a:xfrm>
-          <a:off x="0" y="0"/>
-          <a:ext cx="0" cy="0"/>
-          <a:chOff x="0" y="0"/>
-          <a:chExt cx="0" cy="0"/>
-        </a:xfrm>
-      </p:grpSpPr>
-      <p:sp>
-        <p:nvSpPr>
-          <p:cNvPr id="4" name="Title 1"/>
-          <p:cNvSpPr txBox="1">
-            <a:spLocks/>
-          </p:cNvSpPr>
-          <p:nvPr/>
-        </p:nvSpPr>
-        <p:spPr>
-          <a:xfrm>
-            <a:off x="0" y="1"/>
-            <a:ext cx="12192000" cy="721216"/>
-          </a:xfrm>
-          <a:prstGeom prst="rect">
-            <a:avLst/>
-          </a:prstGeom>
-        </p:spPr>
-        <p:style>
-          <a:lnRef idx="0">
-            <a:schemeClr val="accent1"/>
-          </a:lnRef>
-          <a:fillRef idx="3">
-            <a:schemeClr val="accent1"/>
-          </a:fillRef>
-          <a:effectRef idx="3">
-            <a:schemeClr val="accent1"/>
-          </a:effectRef>
-          <a:fontRef idx="minor">
-            <a:schemeClr val="lt1"/>
-          </a:fontRef>
-        </p:style>
-        <p:txBody>
-          <a:bodyPr vert="horz" lIns="91440" tIns="45720" rIns="91440" bIns="45720" rtlCol="0" anchor="ctr">
-            <a:normAutofit/>
-          </a:bodyPr>
-          <a:lstStyle>
-            <a:lvl1pPr algn="l" defTabSz="914400" rtl="0" eaLnBrk="1" latinLnBrk="0" hangingPunct="1">
-              <a:lnSpc>
-                <a:spcPct val="90000"/>
-              </a:lnSpc>
-              <a:spcBef>
-                <a:spcPct val="0"/>
-              </a:spcBef>
-              <a:buNone/>
-              <a:defRPr sz="4400" kern="1200">
-                <a:solidFill>
-                  <a:schemeClr val="lt1"/>
-                </a:solidFill>
-                <a:latin typeface="+mn-lt"/>
-                <a:ea typeface="+mn-ea"/>
-                <a:cs typeface="+mn-cs"/>
-              </a:defRPr>
-            </a:lvl1pPr>
-            <a:lvl2pPr>
-              <a:defRPr>
-                <a:solidFill>
-                  <a:schemeClr val="lt1"/>
-                </a:solidFill>
-                <a:latin typeface="+mn-lt"/>
-                <a:ea typeface="+mn-ea"/>
-                <a:cs typeface="+mn-cs"/>
-              </a:defRPr>
-            </a:lvl2pPr>
-            <a:lvl3pPr>
-              <a:defRPr>
-                <a:solidFill>
-                  <a:schemeClr val="lt1"/>
-                </a:solidFill>
-                <a:latin typeface="+mn-lt"/>
-                <a:ea typeface="+mn-ea"/>
-                <a:cs typeface="+mn-cs"/>
-              </a:defRPr>
-            </a:lvl3pPr>
-            <a:lvl4pPr>
-              <a:defRPr>
-                <a:solidFill>
-                  <a:schemeClr val="lt1"/>
-                </a:solidFill>
-                <a:latin typeface="+mn-lt"/>
-                <a:ea typeface="+mn-ea"/>
-                <a:cs typeface="+mn-cs"/>
-              </a:defRPr>
-            </a:lvl4pPr>
-            <a:lvl5pPr>
-              <a:defRPr>
-                <a:solidFill>
-                  <a:schemeClr val="lt1"/>
-                </a:solidFill>
-                <a:latin typeface="+mn-lt"/>
-                <a:ea typeface="+mn-ea"/>
-                <a:cs typeface="+mn-cs"/>
-              </a:defRPr>
-            </a:lvl5pPr>
-            <a:lvl6pPr>
-              <a:defRPr>
-                <a:solidFill>
-                  <a:schemeClr val="lt1"/>
-                </a:solidFill>
-                <a:latin typeface="+mn-lt"/>
-                <a:ea typeface="+mn-ea"/>
-                <a:cs typeface="+mn-cs"/>
-              </a:defRPr>
-            </a:lvl6pPr>
-            <a:lvl7pPr>
-              <a:defRPr>
-                <a:solidFill>
-                  <a:schemeClr val="lt1"/>
-                </a:solidFill>
-                <a:latin typeface="+mn-lt"/>
-                <a:ea typeface="+mn-ea"/>
-                <a:cs typeface="+mn-cs"/>
-              </a:defRPr>
-            </a:lvl7pPr>
-            <a:lvl8pPr>
-              <a:defRPr>
-                <a:solidFill>
-                  <a:schemeClr val="lt1"/>
-                </a:solidFill>
-                <a:latin typeface="+mn-lt"/>
-                <a:ea typeface="+mn-ea"/>
-                <a:cs typeface="+mn-cs"/>
-              </a:defRPr>
-            </a:lvl8pPr>
-            <a:lvl9pPr>
-              <a:defRPr>
-                <a:solidFill>
-                  <a:schemeClr val="lt1"/>
-                </a:solidFill>
-                <a:latin typeface="+mn-lt"/>
-                <a:ea typeface="+mn-ea"/>
-                <a:cs typeface="+mn-cs"/>
-              </a:defRPr>
-            </a:lvl9pPr>
-          </a:lstStyle>
-          <a:p>
-            <a:r>
-              <a:rPr lang="en-US" dirty="0"/>
-              <a:t>Introduction</a:t>
-            </a:r>
-          </a:p>
-        </p:txBody>
-      </p:sp>
-      <p:sp>
-        <p:nvSpPr>
-          <p:cNvPr id="2" name="TextBox 1"/>
-          <p:cNvSpPr txBox="1"/>
-          <p:nvPr/>
-        </p:nvSpPr>
-        <p:spPr>
-          <a:xfrm>
-            <a:off x="291548" y="1046922"/>
-            <a:ext cx="11357113" cy="1938992"/>
-          </a:xfrm>
-          <a:prstGeom prst="rect">
-            <a:avLst/>
-          </a:prstGeom>
-          <a:noFill/>
-        </p:spPr>
-        <p:txBody>
-          <a:bodyPr wrap="square" rtlCol="0">
-            <a:spAutoFit/>
-          </a:bodyPr>
-          <a:lstStyle/>
-          <a:p>
-            <a:pPr marL="342900" indent="-342900">
-              <a:buFont typeface="Arial" panose="020B0604020202020204" pitchFamily="34" charset="0"/>
-              <a:buChar char="•"/>
-            </a:pPr>
-            <a:r>
-              <a:rPr lang="en-US" sz="2000" dirty="0"/>
-              <a:t> the Raspberry Pi has found a role both as a </a:t>
-            </a:r>
-            <a:r>
-              <a:rPr lang="en-US" sz="2000" b="1" dirty="0">
-                <a:solidFill>
-                  <a:srgbClr val="FF0000"/>
-                </a:solidFill>
-              </a:rPr>
-              <a:t>very low-cost Linux based computer </a:t>
-            </a:r>
-            <a:r>
-              <a:rPr lang="en-US" sz="2000" dirty="0"/>
-              <a:t>and as a platform for embedded computing</a:t>
-            </a:r>
-          </a:p>
-          <a:p>
-            <a:pPr marL="342900" indent="-342900">
-              <a:buFont typeface="Arial" panose="020B0604020202020204" pitchFamily="34" charset="0"/>
-              <a:buChar char="•"/>
-            </a:pPr>
-            <a:endParaRPr lang="en-US" sz="2000" dirty="0"/>
-          </a:p>
-          <a:p>
-            <a:pPr marL="342900" indent="-342900">
-              <a:buFont typeface="Arial" panose="020B0604020202020204" pitchFamily="34" charset="0"/>
-              <a:buChar char="•"/>
-            </a:pPr>
-            <a:r>
-              <a:rPr lang="en-US" sz="2000" dirty="0"/>
-              <a:t>When you buy a Raspberry Pi, you are essentially buying an assembled printed circuit board. It does not even include a power supply or operating system. </a:t>
-            </a:r>
-          </a:p>
-          <a:p>
-            <a:pPr marL="342900" indent="-342900">
-              <a:buFont typeface="Arial" panose="020B0604020202020204" pitchFamily="34" charset="0"/>
-              <a:buChar char="•"/>
-            </a:pPr>
-            <a:endParaRPr lang="en-US" sz="2000" dirty="0"/>
-          </a:p>
-        </p:txBody>
-      </p:sp>
-      <p:pic>
-        <p:nvPicPr>
-          <p:cNvPr id="2050" name="Picture 2" descr="https://www.pi-supply.com/wp-content/uploads/2016/02/piwithbox-nosd.jpg"/>
-          <p:cNvPicPr>
-            <a:picLocks noChangeAspect="1" noChangeArrowheads="1"/>
-          </p:cNvPicPr>
-          <p:nvPr/>
-        </p:nvPicPr>
-        <p:blipFill>
-          <a:blip r:embed="rId2">
-            <a:extLst>
-              <a:ext uri="{28A0092B-C50C-407E-A947-70E740481C1C}">
-                <a14:useLocalDpi xmlns:a14="http://schemas.microsoft.com/office/drawing/2010/main" val="0"/>
-              </a:ext>
-            </a:extLst>
-          </a:blip>
-          <a:srcRect/>
-          <a:stretch>
-            <a:fillRect/>
-          </a:stretch>
-        </p:blipFill>
-        <p:spPr bwMode="auto">
-          <a:xfrm>
-            <a:off x="3380755" y="2736092"/>
-            <a:ext cx="4583802" cy="4583802"/>
-          </a:xfrm>
-          <a:prstGeom prst="rect">
-            <a:avLst/>
-          </a:prstGeom>
-          <a:noFill/>
-          <a:extLst>
-            <a:ext uri="{909E8E84-426E-40DD-AFC4-6F175D3DCCD1}">
-              <a14:hiddenFill xmlns:a14="http://schemas.microsoft.com/office/drawing/2010/main">
-                <a:solidFill>
-                  <a:srgbClr val="FFFFFF"/>
-                </a:solidFill>
-              </a14:hiddenFill>
-            </a:ext>
-          </a:extLst>
-        </p:spPr>
-      </p:pic>
-    </p:spTree>
-    <p:extLst>
-      <p:ext uri="{BB962C8B-B14F-4D97-AF65-F5344CB8AC3E}">
-        <p14:creationId xmlns:p14="http://schemas.microsoft.com/office/powerpoint/2010/main" val="4194675579"/>
-      </p:ext>
-    </p:extLst>
-  </p:cSld>
-  <p:clrMapOvr>
-    <a:masterClrMapping/>
-  </p:clrMapOvr>
-</p:sld>
-</file>
-
-<file path=ppt/slides/slide20.xml><?xml version="1.0" encoding="utf-8"?>
+<file path=ppt/slides/slide21.xml><?xml version="1.0" encoding="utf-8"?>
 <p:sld xmlns:a="http://schemas.openxmlformats.org/drawingml/2006/main" xmlns:r="http://schemas.openxmlformats.org/officeDocument/2006/relationships" xmlns:p="http://schemas.openxmlformats.org/presentationml/2006/main">
   <p:cSld>
     <p:spTree>
@@ -8245,7 +8807,7 @@
 </p:sld>
 </file>
 
-<file path=ppt/slides/slide21.xml><?xml version="1.0" encoding="utf-8"?>
+<file path=ppt/slides/slide22.xml><?xml version="1.0" encoding="utf-8"?>
 <p:sld xmlns:a="http://schemas.openxmlformats.org/drawingml/2006/main" xmlns:r="http://schemas.openxmlformats.org/officeDocument/2006/relationships" xmlns:p="http://schemas.openxmlformats.org/presentationml/2006/main">
   <p:cSld>
     <p:spTree>
@@ -8607,7 +9169,7 @@
 </p:sld>
 </file>
 
-<file path=ppt/slides/slide22.xml><?xml version="1.0" encoding="utf-8"?>
+<file path=ppt/slides/slide23.xml><?xml version="1.0" encoding="utf-8"?>
 <p:sld xmlns:a="http://schemas.openxmlformats.org/drawingml/2006/main" xmlns:r="http://schemas.openxmlformats.org/officeDocument/2006/relationships" xmlns:p="http://schemas.openxmlformats.org/presentationml/2006/main">
   <p:cSld>
     <p:spTree>
@@ -10992,6 +11554,414 @@
           <a:p>
             <a:r>
               <a:rPr lang="en-US" dirty="0"/>
+              <a:t>Get course files and projects</a:t>
+            </a:r>
+          </a:p>
+        </p:txBody>
+      </p:sp>
+      <p:sp>
+        <p:nvSpPr>
+          <p:cNvPr id="2" name="TextBox 1"/>
+          <p:cNvSpPr txBox="1"/>
+          <p:nvPr/>
+        </p:nvSpPr>
+        <p:spPr>
+          <a:xfrm>
+            <a:off x="246380" y="3088429"/>
+            <a:ext cx="11357113" cy="2031325"/>
+          </a:xfrm>
+          <a:prstGeom prst="rect">
+            <a:avLst/>
+          </a:prstGeom>
+          <a:noFill/>
+        </p:spPr>
+        <p:txBody>
+          <a:bodyPr wrap="square" rtlCol="0">
+            <a:spAutoFit/>
+          </a:bodyPr>
+          <a:lstStyle/>
+          <a:p>
+            <a:pPr lvl="0"/>
+            <a:r>
+              <a:rPr lang="en-US" dirty="0">
+                <a:solidFill>
+                  <a:prstClr val="black"/>
+                </a:solidFill>
+              </a:rPr>
+              <a:t>For getting course project files, presentation and all practices with run  command in terminal:</a:t>
+            </a:r>
+          </a:p>
+          <a:p>
+            <a:pPr lvl="0"/>
+            <a:endParaRPr lang="en-US" dirty="0">
+              <a:solidFill>
+                <a:prstClr val="black"/>
+              </a:solidFill>
+            </a:endParaRPr>
+          </a:p>
+          <a:p>
+            <a:pPr lvl="0"/>
+            <a:r>
+              <a:rPr lang="en-US" b="1" i="1" dirty="0" err="1">
+                <a:solidFill>
+                  <a:srgbClr val="0070C0"/>
+                </a:solidFill>
+                <a:latin typeface="Consolas" panose="020B0609020204030204" pitchFamily="49" charset="0"/>
+              </a:rPr>
+              <a:t>sudo</a:t>
+            </a:r>
+            <a:r>
+              <a:rPr lang="en-US" b="1" i="1" dirty="0">
+                <a:solidFill>
+                  <a:srgbClr val="0070C0"/>
+                </a:solidFill>
+                <a:latin typeface="Consolas" panose="020B0609020204030204" pitchFamily="49" charset="0"/>
+              </a:rPr>
+              <a:t> git clone </a:t>
+            </a:r>
+            <a:r>
+              <a:rPr lang="en-US" b="1" i="1" dirty="0" err="1">
+                <a:solidFill>
+                  <a:srgbClr val="0070C0"/>
+                </a:solidFill>
+                <a:latin typeface="Consolas" panose="020B0609020204030204" pitchFamily="49" charset="0"/>
+                <a:hlinkClick r:id="rId2"/>
+              </a:rPr>
+              <a:t>git@github.com:reza-arjmandi</a:t>
+            </a:r>
+            <a:r>
+              <a:rPr lang="en-US" b="1" i="1" dirty="0">
+                <a:solidFill>
+                  <a:srgbClr val="0070C0"/>
+                </a:solidFill>
+                <a:latin typeface="Consolas" panose="020B0609020204030204" pitchFamily="49" charset="0"/>
+                <a:hlinkClick r:id="rId2"/>
+              </a:rPr>
+              <a:t>/</a:t>
+            </a:r>
+            <a:r>
+              <a:rPr lang="en-US" b="1" i="1" dirty="0" err="1">
+                <a:solidFill>
+                  <a:srgbClr val="0070C0"/>
+                </a:solidFill>
+                <a:latin typeface="Consolas" panose="020B0609020204030204" pitchFamily="49" charset="0"/>
+                <a:hlinkClick r:id="rId2"/>
+              </a:rPr>
+              <a:t>rpi-course.git</a:t>
+            </a:r>
+            <a:endParaRPr lang="en-US" b="1" i="1" dirty="0">
+              <a:solidFill>
+                <a:srgbClr val="0070C0"/>
+              </a:solidFill>
+              <a:latin typeface="Consolas" panose="020B0609020204030204" pitchFamily="49" charset="0"/>
+            </a:endParaRPr>
+          </a:p>
+          <a:p>
+            <a:pPr lvl="0"/>
+            <a:endParaRPr lang="en-US" b="1" i="1" dirty="0">
+              <a:solidFill>
+                <a:srgbClr val="0070C0"/>
+              </a:solidFill>
+              <a:latin typeface="Consolas" panose="020B0609020204030204" pitchFamily="49" charset="0"/>
+            </a:endParaRPr>
+          </a:p>
+          <a:p>
+            <a:pPr lvl="0"/>
+            <a:r>
+              <a:rPr lang="en-US" dirty="0">
+                <a:solidFill>
+                  <a:prstClr val="black"/>
+                </a:solidFill>
+              </a:rPr>
+              <a:t>Also you can use GitHub Desktop application from following link (</a:t>
+            </a:r>
+            <a:r>
+              <a:rPr lang="en-US" dirty="0"/>
+              <a:t>suitable for windows </a:t>
+            </a:r>
+            <a:r>
+              <a:rPr lang="en-US" dirty="0" err="1"/>
+              <a:t>os</a:t>
+            </a:r>
+            <a:r>
+              <a:rPr lang="en-US" dirty="0"/>
+              <a:t>):</a:t>
+            </a:r>
+          </a:p>
+          <a:p>
+            <a:endParaRPr lang="en-US" b="1" i="1" dirty="0">
+              <a:solidFill>
+                <a:srgbClr val="0070C0"/>
+              </a:solidFill>
+              <a:latin typeface="Consolas" panose="020B0609020204030204" pitchFamily="49" charset="0"/>
+            </a:endParaRPr>
+          </a:p>
+          <a:p>
+            <a:r>
+              <a:rPr lang="en-US" b="1" i="1" dirty="0">
+                <a:solidFill>
+                  <a:srgbClr val="0070C0"/>
+                </a:solidFill>
+                <a:latin typeface="Consolas" panose="020B0609020204030204" pitchFamily="49" charset="0"/>
+              </a:rPr>
+              <a:t>https://desktop.github.com/</a:t>
+            </a:r>
+          </a:p>
+        </p:txBody>
+      </p:sp>
+      <p:sp>
+        <p:nvSpPr>
+          <p:cNvPr id="5" name="AutoShape 2" descr="http://raspberry.piaustralia.com.au/product-images/piwithbox.jpg"/>
+          <p:cNvSpPr>
+            <a:spLocks noChangeAspect="1" noChangeArrowheads="1"/>
+          </p:cNvSpPr>
+          <p:nvPr/>
+        </p:nvSpPr>
+        <p:spPr bwMode="auto">
+          <a:xfrm>
+            <a:off x="63500" y="-136525"/>
+            <a:ext cx="9772650" cy="6343650"/>
+          </a:xfrm>
+          <a:prstGeom prst="rect">
+            <a:avLst/>
+          </a:prstGeom>
+          <a:noFill/>
+          <a:extLst>
+            <a:ext uri="{909E8E84-426E-40DD-AFC4-6F175D3DCCD1}">
+              <a14:hiddenFill xmlns:a14="http://schemas.microsoft.com/office/drawing/2010/main">
+                <a:solidFill>
+                  <a:srgbClr val="FFFFFF"/>
+                </a:solidFill>
+              </a14:hiddenFill>
+            </a:ext>
+          </a:extLst>
+        </p:spPr>
+        <p:txBody>
+          <a:bodyPr vert="horz" wrap="square" lIns="91440" tIns="45720" rIns="91440" bIns="45720" numCol="1" anchor="t" anchorCtr="0" compatLnSpc="1">
+            <a:prstTxWarp prst="textNoShape">
+              <a:avLst/>
+            </a:prstTxWarp>
+          </a:bodyPr>
+          <a:lstStyle/>
+          <a:p>
+            <a:endParaRPr lang="en-US"/>
+          </a:p>
+        </p:txBody>
+      </p:sp>
+      <p:pic>
+        <p:nvPicPr>
+          <p:cNvPr id="1026" name="Picture 2" descr="نتیجه تصویری برای ‪git hub icon‬‏">
+            <a:extLst>
+              <a:ext uri="{FF2B5EF4-FFF2-40B4-BE49-F238E27FC236}">
+                <a16:creationId xmlns:a16="http://schemas.microsoft.com/office/drawing/2014/main" id="{E221FB03-5F9C-4B6F-9022-62579353A9BE}"/>
+              </a:ext>
+            </a:extLst>
+          </p:cNvPr>
+          <p:cNvPicPr>
+            <a:picLocks noChangeAspect="1" noChangeArrowheads="1"/>
+          </p:cNvPicPr>
+          <p:nvPr/>
+        </p:nvPicPr>
+        <p:blipFill>
+          <a:blip r:embed="rId3">
+            <a:extLst>
+              <a:ext uri="{28A0092B-C50C-407E-A947-70E740481C1C}">
+                <a14:useLocalDpi xmlns:a14="http://schemas.microsoft.com/office/drawing/2010/main" val="0"/>
+              </a:ext>
+            </a:extLst>
+          </a:blip>
+          <a:srcRect/>
+          <a:stretch>
+            <a:fillRect/>
+          </a:stretch>
+        </p:blipFill>
+        <p:spPr bwMode="auto">
+          <a:xfrm>
+            <a:off x="4227119" y="1098066"/>
+            <a:ext cx="3737762" cy="976490"/>
+          </a:xfrm>
+          <a:prstGeom prst="rect">
+            <a:avLst/>
+          </a:prstGeom>
+          <a:noFill/>
+          <a:extLst>
+            <a:ext uri="{909E8E84-426E-40DD-AFC4-6F175D3DCCD1}">
+              <a14:hiddenFill xmlns:a14="http://schemas.microsoft.com/office/drawing/2010/main">
+                <a:solidFill>
+                  <a:srgbClr val="FFFFFF"/>
+                </a:solidFill>
+              </a14:hiddenFill>
+            </a:ext>
+          </a:extLst>
+        </p:spPr>
+      </p:pic>
+    </p:spTree>
+    <p:extLst>
+      <p:ext uri="{BB962C8B-B14F-4D97-AF65-F5344CB8AC3E}">
+        <p14:creationId xmlns:p14="http://schemas.microsoft.com/office/powerpoint/2010/main" val="276394266"/>
+      </p:ext>
+    </p:extLst>
+  </p:cSld>
+  <p:clrMapOvr>
+    <a:masterClrMapping/>
+  </p:clrMapOvr>
+</p:sld>
+</file>
+
+<file path=ppt/slides/slide9.xml><?xml version="1.0" encoding="utf-8"?>
+<p:sld xmlns:a="http://schemas.openxmlformats.org/drawingml/2006/main" xmlns:r="http://schemas.openxmlformats.org/officeDocument/2006/relationships" xmlns:p="http://schemas.openxmlformats.org/presentationml/2006/main">
+  <p:cSld>
+    <p:spTree>
+      <p:nvGrpSpPr>
+        <p:cNvPr id="1" name=""/>
+        <p:cNvGrpSpPr/>
+        <p:nvPr/>
+      </p:nvGrpSpPr>
+      <p:grpSpPr>
+        <a:xfrm>
+          <a:off x="0" y="0"/>
+          <a:ext cx="0" cy="0"/>
+          <a:chOff x="0" y="0"/>
+          <a:chExt cx="0" cy="0"/>
+        </a:xfrm>
+      </p:grpSpPr>
+      <p:sp>
+        <p:nvSpPr>
+          <p:cNvPr id="4" name="Title 1"/>
+          <p:cNvSpPr txBox="1">
+            <a:spLocks/>
+          </p:cNvSpPr>
+          <p:nvPr/>
+        </p:nvSpPr>
+        <p:spPr>
+          <a:xfrm>
+            <a:off x="0" y="1"/>
+            <a:ext cx="12192000" cy="721216"/>
+          </a:xfrm>
+          <a:prstGeom prst="rect">
+            <a:avLst/>
+          </a:prstGeom>
+        </p:spPr>
+        <p:style>
+          <a:lnRef idx="0">
+            <a:schemeClr val="accent1"/>
+          </a:lnRef>
+          <a:fillRef idx="3">
+            <a:schemeClr val="accent1"/>
+          </a:fillRef>
+          <a:effectRef idx="3">
+            <a:schemeClr val="accent1"/>
+          </a:effectRef>
+          <a:fontRef idx="minor">
+            <a:schemeClr val="lt1"/>
+          </a:fontRef>
+        </p:style>
+        <p:txBody>
+          <a:bodyPr vert="horz" lIns="91440" tIns="45720" rIns="91440" bIns="45720" rtlCol="0" anchor="ctr">
+            <a:normAutofit/>
+          </a:bodyPr>
+          <a:lstStyle>
+            <a:lvl1pPr algn="l" defTabSz="914400" rtl="0" eaLnBrk="1" latinLnBrk="0" hangingPunct="1">
+              <a:lnSpc>
+                <a:spcPct val="90000"/>
+              </a:lnSpc>
+              <a:spcBef>
+                <a:spcPct val="0"/>
+              </a:spcBef>
+              <a:buNone/>
+              <a:defRPr sz="4400" kern="1200">
+                <a:solidFill>
+                  <a:schemeClr val="lt1"/>
+                </a:solidFill>
+                <a:latin typeface="+mn-lt"/>
+                <a:ea typeface="+mn-ea"/>
+                <a:cs typeface="+mn-cs"/>
+              </a:defRPr>
+            </a:lvl1pPr>
+            <a:lvl2pPr>
+              <a:defRPr>
+                <a:solidFill>
+                  <a:schemeClr val="lt1"/>
+                </a:solidFill>
+                <a:latin typeface="+mn-lt"/>
+                <a:ea typeface="+mn-ea"/>
+                <a:cs typeface="+mn-cs"/>
+              </a:defRPr>
+            </a:lvl2pPr>
+            <a:lvl3pPr>
+              <a:defRPr>
+                <a:solidFill>
+                  <a:schemeClr val="lt1"/>
+                </a:solidFill>
+                <a:latin typeface="+mn-lt"/>
+                <a:ea typeface="+mn-ea"/>
+                <a:cs typeface="+mn-cs"/>
+              </a:defRPr>
+            </a:lvl3pPr>
+            <a:lvl4pPr>
+              <a:defRPr>
+                <a:solidFill>
+                  <a:schemeClr val="lt1"/>
+                </a:solidFill>
+                <a:latin typeface="+mn-lt"/>
+                <a:ea typeface="+mn-ea"/>
+                <a:cs typeface="+mn-cs"/>
+              </a:defRPr>
+            </a:lvl4pPr>
+            <a:lvl5pPr>
+              <a:defRPr>
+                <a:solidFill>
+                  <a:schemeClr val="lt1"/>
+                </a:solidFill>
+                <a:latin typeface="+mn-lt"/>
+                <a:ea typeface="+mn-ea"/>
+                <a:cs typeface="+mn-cs"/>
+              </a:defRPr>
+            </a:lvl5pPr>
+            <a:lvl6pPr>
+              <a:defRPr>
+                <a:solidFill>
+                  <a:schemeClr val="lt1"/>
+                </a:solidFill>
+                <a:latin typeface="+mn-lt"/>
+                <a:ea typeface="+mn-ea"/>
+                <a:cs typeface="+mn-cs"/>
+              </a:defRPr>
+            </a:lvl6pPr>
+            <a:lvl7pPr>
+              <a:defRPr>
+                <a:solidFill>
+                  <a:schemeClr val="lt1"/>
+                </a:solidFill>
+                <a:latin typeface="+mn-lt"/>
+                <a:ea typeface="+mn-ea"/>
+                <a:cs typeface="+mn-cs"/>
+              </a:defRPr>
+            </a:lvl7pPr>
+            <a:lvl8pPr>
+              <a:defRPr>
+                <a:solidFill>
+                  <a:schemeClr val="lt1"/>
+                </a:solidFill>
+                <a:latin typeface="+mn-lt"/>
+                <a:ea typeface="+mn-ea"/>
+                <a:cs typeface="+mn-cs"/>
+              </a:defRPr>
+            </a:lvl8pPr>
+            <a:lvl9pPr>
+              <a:defRPr>
+                <a:solidFill>
+                  <a:schemeClr val="lt1"/>
+                </a:solidFill>
+                <a:latin typeface="+mn-lt"/>
+                <a:ea typeface="+mn-ea"/>
+                <a:cs typeface="+mn-cs"/>
+              </a:defRPr>
+            </a:lvl9pPr>
+          </a:lstStyle>
+          <a:p>
+            <a:r>
+              <a:rPr lang="en-US" dirty="0"/>
               <a:t>Connect with serial line</a:t>
             </a:r>
           </a:p>
@@ -11108,576 +12078,6 @@
     <p:extLst>
       <p:ext uri="{BB962C8B-B14F-4D97-AF65-F5344CB8AC3E}">
         <p14:creationId xmlns:p14="http://schemas.microsoft.com/office/powerpoint/2010/main" val="1745984216"/>
-      </p:ext>
-    </p:extLst>
-  </p:cSld>
-  <p:clrMapOvr>
-    <a:masterClrMapping/>
-  </p:clrMapOvr>
-</p:sld>
-</file>
-
-<file path=ppt/slides/slide9.xml><?xml version="1.0" encoding="utf-8"?>
-<p:sld xmlns:a="http://schemas.openxmlformats.org/drawingml/2006/main" xmlns:r="http://schemas.openxmlformats.org/officeDocument/2006/relationships" xmlns:p="http://schemas.openxmlformats.org/presentationml/2006/main">
-  <p:cSld>
-    <p:spTree>
-      <p:nvGrpSpPr>
-        <p:cNvPr id="1" name=""/>
-        <p:cNvGrpSpPr/>
-        <p:nvPr/>
-      </p:nvGrpSpPr>
-      <p:grpSpPr>
-        <a:xfrm>
-          <a:off x="0" y="0"/>
-          <a:ext cx="0" cy="0"/>
-          <a:chOff x="0" y="0"/>
-          <a:chExt cx="0" cy="0"/>
-        </a:xfrm>
-      </p:grpSpPr>
-      <p:sp>
-        <p:nvSpPr>
-          <p:cNvPr id="4" name="Title 1"/>
-          <p:cNvSpPr txBox="1">
-            <a:spLocks/>
-          </p:cNvSpPr>
-          <p:nvPr/>
-        </p:nvSpPr>
-        <p:spPr>
-          <a:xfrm>
-            <a:off x="0" y="1"/>
-            <a:ext cx="12192000" cy="721216"/>
-          </a:xfrm>
-          <a:prstGeom prst="rect">
-            <a:avLst/>
-          </a:prstGeom>
-        </p:spPr>
-        <p:style>
-          <a:lnRef idx="0">
-            <a:schemeClr val="accent1"/>
-          </a:lnRef>
-          <a:fillRef idx="3">
-            <a:schemeClr val="accent1"/>
-          </a:fillRef>
-          <a:effectRef idx="3">
-            <a:schemeClr val="accent1"/>
-          </a:effectRef>
-          <a:fontRef idx="minor">
-            <a:schemeClr val="lt1"/>
-          </a:fontRef>
-        </p:style>
-        <p:txBody>
-          <a:bodyPr vert="horz" lIns="91440" tIns="45720" rIns="91440" bIns="45720" rtlCol="0" anchor="ctr">
-            <a:normAutofit/>
-          </a:bodyPr>
-          <a:lstStyle>
-            <a:lvl1pPr algn="l" defTabSz="914400" rtl="0" eaLnBrk="1" latinLnBrk="0" hangingPunct="1">
-              <a:lnSpc>
-                <a:spcPct val="90000"/>
-              </a:lnSpc>
-              <a:spcBef>
-                <a:spcPct val="0"/>
-              </a:spcBef>
-              <a:buNone/>
-              <a:defRPr sz="4400" kern="1200">
-                <a:solidFill>
-                  <a:schemeClr val="lt1"/>
-                </a:solidFill>
-                <a:latin typeface="+mn-lt"/>
-                <a:ea typeface="+mn-ea"/>
-                <a:cs typeface="+mn-cs"/>
-              </a:defRPr>
-            </a:lvl1pPr>
-            <a:lvl2pPr>
-              <a:defRPr>
-                <a:solidFill>
-                  <a:schemeClr val="lt1"/>
-                </a:solidFill>
-                <a:latin typeface="+mn-lt"/>
-                <a:ea typeface="+mn-ea"/>
-                <a:cs typeface="+mn-cs"/>
-              </a:defRPr>
-            </a:lvl2pPr>
-            <a:lvl3pPr>
-              <a:defRPr>
-                <a:solidFill>
-                  <a:schemeClr val="lt1"/>
-                </a:solidFill>
-                <a:latin typeface="+mn-lt"/>
-                <a:ea typeface="+mn-ea"/>
-                <a:cs typeface="+mn-cs"/>
-              </a:defRPr>
-            </a:lvl3pPr>
-            <a:lvl4pPr>
-              <a:defRPr>
-                <a:solidFill>
-                  <a:schemeClr val="lt1"/>
-                </a:solidFill>
-                <a:latin typeface="+mn-lt"/>
-                <a:ea typeface="+mn-ea"/>
-                <a:cs typeface="+mn-cs"/>
-              </a:defRPr>
-            </a:lvl4pPr>
-            <a:lvl5pPr>
-              <a:defRPr>
-                <a:solidFill>
-                  <a:schemeClr val="lt1"/>
-                </a:solidFill>
-                <a:latin typeface="+mn-lt"/>
-                <a:ea typeface="+mn-ea"/>
-                <a:cs typeface="+mn-cs"/>
-              </a:defRPr>
-            </a:lvl5pPr>
-            <a:lvl6pPr>
-              <a:defRPr>
-                <a:solidFill>
-                  <a:schemeClr val="lt1"/>
-                </a:solidFill>
-                <a:latin typeface="+mn-lt"/>
-                <a:ea typeface="+mn-ea"/>
-                <a:cs typeface="+mn-cs"/>
-              </a:defRPr>
-            </a:lvl6pPr>
-            <a:lvl7pPr>
-              <a:defRPr>
-                <a:solidFill>
-                  <a:schemeClr val="lt1"/>
-                </a:solidFill>
-                <a:latin typeface="+mn-lt"/>
-                <a:ea typeface="+mn-ea"/>
-                <a:cs typeface="+mn-cs"/>
-              </a:defRPr>
-            </a:lvl7pPr>
-            <a:lvl8pPr>
-              <a:defRPr>
-                <a:solidFill>
-                  <a:schemeClr val="lt1"/>
-                </a:solidFill>
-                <a:latin typeface="+mn-lt"/>
-                <a:ea typeface="+mn-ea"/>
-                <a:cs typeface="+mn-cs"/>
-              </a:defRPr>
-            </a:lvl8pPr>
-            <a:lvl9pPr>
-              <a:defRPr>
-                <a:solidFill>
-                  <a:schemeClr val="lt1"/>
-                </a:solidFill>
-                <a:latin typeface="+mn-lt"/>
-                <a:ea typeface="+mn-ea"/>
-                <a:cs typeface="+mn-cs"/>
-              </a:defRPr>
-            </a:lvl9pPr>
-          </a:lstStyle>
-          <a:p>
-            <a:r>
-              <a:rPr lang="en-US" dirty="0"/>
-              <a:t>Connect with serial line</a:t>
-            </a:r>
-          </a:p>
-        </p:txBody>
-      </p:sp>
-      <p:sp>
-        <p:nvSpPr>
-          <p:cNvPr id="5" name="AutoShape 2" descr="http://raspberry.piaustralia.com.au/product-images/piwithbox.jpg"/>
-          <p:cNvSpPr>
-            <a:spLocks noChangeAspect="1" noChangeArrowheads="1"/>
-          </p:cNvSpPr>
-          <p:nvPr/>
-        </p:nvSpPr>
-        <p:spPr bwMode="auto">
-          <a:xfrm>
-            <a:off x="63500" y="-136525"/>
-            <a:ext cx="9772650" cy="6343650"/>
-          </a:xfrm>
-          <a:prstGeom prst="rect">
-            <a:avLst/>
-          </a:prstGeom>
-          <a:noFill/>
-          <a:extLst>
-            <a:ext uri="{909E8E84-426E-40DD-AFC4-6F175D3DCCD1}">
-              <a14:hiddenFill xmlns:a14="http://schemas.microsoft.com/office/drawing/2010/main">
-                <a:solidFill>
-                  <a:srgbClr val="FFFFFF"/>
-                </a:solidFill>
-              </a14:hiddenFill>
-            </a:ext>
-          </a:extLst>
-        </p:spPr>
-        <p:txBody>
-          <a:bodyPr vert="horz" wrap="square" lIns="91440" tIns="45720" rIns="91440" bIns="45720" numCol="1" anchor="t" anchorCtr="0" compatLnSpc="1">
-            <a:prstTxWarp prst="textNoShape">
-              <a:avLst/>
-            </a:prstTxWarp>
-          </a:bodyPr>
-          <a:lstStyle/>
-          <a:p>
-            <a:endParaRPr lang="en-US"/>
-          </a:p>
-        </p:txBody>
-      </p:sp>
-      <p:sp>
-        <p:nvSpPr>
-          <p:cNvPr id="6" name="TextBox 5"/>
-          <p:cNvSpPr txBox="1"/>
-          <p:nvPr/>
-        </p:nvSpPr>
-        <p:spPr>
-          <a:xfrm>
-            <a:off x="278295" y="721217"/>
-            <a:ext cx="11357113" cy="5139869"/>
-          </a:xfrm>
-          <a:prstGeom prst="rect">
-            <a:avLst/>
-          </a:prstGeom>
-          <a:noFill/>
-        </p:spPr>
-        <p:txBody>
-          <a:bodyPr wrap="square" rtlCol="0">
-            <a:spAutoFit/>
-          </a:bodyPr>
-          <a:lstStyle/>
-          <a:p>
-            <a:r>
-              <a:rPr lang="en-US" dirty="0"/>
-              <a:t>1) Append the following lines to the </a:t>
-            </a:r>
-            <a:r>
-              <a:rPr lang="en-US" sz="2000" b="1" i="1" dirty="0">
-                <a:solidFill>
-                  <a:srgbClr val="0070C0"/>
-                </a:solidFill>
-                <a:latin typeface="Consolas" panose="020B0609020204030204" pitchFamily="49" charset="0"/>
-                <a:cs typeface="Consolas" panose="020B0609020204030204" pitchFamily="49" charset="0"/>
-              </a:rPr>
-              <a:t>config.txt</a:t>
-            </a:r>
-            <a:r>
-              <a:rPr lang="en-US" dirty="0"/>
-              <a:t> file which is located in the </a:t>
-            </a:r>
-            <a:br>
-              <a:rPr lang="fa-IR" dirty="0"/>
-            </a:br>
-            <a:r>
-              <a:rPr lang="en-US" dirty="0"/>
-              <a:t>root of the card for enable </a:t>
-            </a:r>
-            <a:r>
-              <a:rPr lang="en-US" dirty="0" err="1"/>
-              <a:t>uart</a:t>
-            </a:r>
-            <a:r>
-              <a:rPr lang="en-US" dirty="0"/>
-              <a:t>:</a:t>
-            </a:r>
-          </a:p>
-          <a:p>
-            <a:endParaRPr lang="en-US" dirty="0"/>
-          </a:p>
-          <a:p>
-            <a:r>
-              <a:rPr lang="en-US" sz="2000" b="1" i="1" dirty="0" err="1">
-                <a:solidFill>
-                  <a:srgbClr val="0070C0"/>
-                </a:solidFill>
-                <a:latin typeface="Consolas" panose="020B0609020204030204" pitchFamily="49" charset="0"/>
-              </a:rPr>
-              <a:t>enable_uart</a:t>
-            </a:r>
-            <a:r>
-              <a:rPr lang="en-US" sz="2000" b="1" i="1" dirty="0">
-                <a:solidFill>
-                  <a:srgbClr val="0070C0"/>
-                </a:solidFill>
-                <a:latin typeface="Consolas" panose="020B0609020204030204" pitchFamily="49" charset="0"/>
-              </a:rPr>
-              <a:t>=1</a:t>
-            </a:r>
-            <a:endParaRPr lang="en-US" dirty="0"/>
-          </a:p>
-          <a:p>
-            <a:endParaRPr lang="en-US" dirty="0"/>
-          </a:p>
-          <a:p>
-            <a:r>
-              <a:rPr lang="en-US" dirty="0"/>
-              <a:t>2) Connect with putty.</a:t>
-            </a:r>
-          </a:p>
-          <a:p>
-            <a:br>
-              <a:rPr lang="en-US" dirty="0"/>
-            </a:br>
-            <a:r>
-              <a:rPr lang="en-US" dirty="0"/>
-              <a:t>3)</a:t>
-            </a:r>
-            <a:r>
-              <a:rPr lang="en-US" b="1" dirty="0"/>
-              <a:t> </a:t>
-            </a:r>
-            <a:r>
-              <a:rPr lang="en-US" dirty="0"/>
-              <a:t>change network settings:</a:t>
-            </a:r>
-          </a:p>
-          <a:p>
-            <a:endParaRPr lang="en-US" dirty="0"/>
-          </a:p>
-          <a:p>
-            <a:r>
-              <a:rPr lang="en-US" b="1" i="1" dirty="0" err="1">
-                <a:solidFill>
-                  <a:srgbClr val="0070C0"/>
-                </a:solidFill>
-                <a:latin typeface="Consolas" panose="020B0609020204030204" pitchFamily="49" charset="0"/>
-              </a:rPr>
-              <a:t>sudo</a:t>
-            </a:r>
-            <a:r>
-              <a:rPr lang="en-US" b="1" i="1" dirty="0">
-                <a:solidFill>
-                  <a:srgbClr val="0070C0"/>
-                </a:solidFill>
-                <a:latin typeface="Consolas" panose="020B0609020204030204" pitchFamily="49" charset="0"/>
-              </a:rPr>
-              <a:t> </a:t>
-            </a:r>
-            <a:r>
-              <a:rPr lang="en-US" b="1" i="1" dirty="0" err="1">
-                <a:solidFill>
-                  <a:srgbClr val="0070C0"/>
-                </a:solidFill>
-                <a:latin typeface="Consolas" panose="020B0609020204030204" pitchFamily="49" charset="0"/>
-              </a:rPr>
-              <a:t>nano</a:t>
-            </a:r>
-            <a:r>
-              <a:rPr lang="en-US" b="1" i="1" dirty="0">
-                <a:solidFill>
-                  <a:srgbClr val="0070C0"/>
-                </a:solidFill>
-                <a:latin typeface="Consolas" panose="020B0609020204030204" pitchFamily="49" charset="0"/>
-              </a:rPr>
-              <a:t> </a:t>
-            </a:r>
-            <a:r>
-              <a:rPr lang="fr-FR" b="1" i="1" dirty="0">
-                <a:solidFill>
-                  <a:srgbClr val="0070C0"/>
-                </a:solidFill>
-                <a:latin typeface="Consolas" panose="020B0609020204030204" pitchFamily="49" charset="0"/>
-              </a:rPr>
-              <a:t>/</a:t>
-            </a:r>
-            <a:r>
-              <a:rPr lang="fr-FR" b="1" i="1" dirty="0" err="1">
-                <a:solidFill>
-                  <a:srgbClr val="0070C0"/>
-                </a:solidFill>
-                <a:latin typeface="Consolas" panose="020B0609020204030204" pitchFamily="49" charset="0"/>
-              </a:rPr>
-              <a:t>etc</a:t>
-            </a:r>
-            <a:r>
-              <a:rPr lang="fr-FR" b="1" i="1" dirty="0">
-                <a:solidFill>
-                  <a:srgbClr val="0070C0"/>
-                </a:solidFill>
-                <a:latin typeface="Consolas" panose="020B0609020204030204" pitchFamily="49" charset="0"/>
-              </a:rPr>
-              <a:t>/</a:t>
-            </a:r>
-            <a:r>
-              <a:rPr lang="fr-FR" b="1" i="1" dirty="0" err="1">
-                <a:solidFill>
-                  <a:srgbClr val="0070C0"/>
-                </a:solidFill>
-                <a:latin typeface="Consolas" panose="020B0609020204030204" pitchFamily="49" charset="0"/>
-              </a:rPr>
-              <a:t>wpa_supplicant</a:t>
-            </a:r>
-            <a:r>
-              <a:rPr lang="fr-FR" b="1" i="1" dirty="0">
-                <a:solidFill>
-                  <a:srgbClr val="0070C0"/>
-                </a:solidFill>
-                <a:latin typeface="Consolas" panose="020B0609020204030204" pitchFamily="49" charset="0"/>
-              </a:rPr>
-              <a:t>/</a:t>
-            </a:r>
-            <a:r>
-              <a:rPr lang="fr-FR" b="1" i="1" dirty="0" err="1">
-                <a:solidFill>
-                  <a:srgbClr val="0070C0"/>
-                </a:solidFill>
-                <a:latin typeface="Consolas" panose="020B0609020204030204" pitchFamily="49" charset="0"/>
-              </a:rPr>
-              <a:t>wpa_supplicant.conf</a:t>
-            </a:r>
-            <a:endParaRPr lang="en-US" dirty="0"/>
-          </a:p>
-          <a:p>
-            <a:endParaRPr lang="en-US" dirty="0"/>
-          </a:p>
-          <a:p>
-            <a:r>
-              <a:rPr lang="en-US" dirty="0"/>
-              <a:t>And add the following lines to end of file:</a:t>
-            </a:r>
-          </a:p>
-          <a:p>
-            <a:endParaRPr lang="en-US" dirty="0"/>
-          </a:p>
-          <a:p>
-            <a:r>
-              <a:rPr lang="en-US" b="1" i="1">
-                <a:solidFill>
-                  <a:srgbClr val="0070C0"/>
-                </a:solidFill>
-                <a:latin typeface="Consolas" panose="020B0609020204030204" pitchFamily="49" charset="0"/>
-              </a:rPr>
-              <a:t>network={</a:t>
-            </a:r>
-            <a:r>
-              <a:rPr lang="en-US" b="1" i="1" dirty="0">
-                <a:solidFill>
-                  <a:srgbClr val="0070C0"/>
-                </a:solidFill>
-                <a:latin typeface="Consolas" panose="020B0609020204030204" pitchFamily="49" charset="0"/>
-              </a:rPr>
-              <a:t>	</a:t>
-            </a:r>
-          </a:p>
-          <a:p>
-            <a:r>
-              <a:rPr lang="en-US" b="1" i="1" dirty="0">
-                <a:solidFill>
-                  <a:srgbClr val="0070C0"/>
-                </a:solidFill>
-                <a:latin typeface="Consolas" panose="020B0609020204030204" pitchFamily="49" charset="0"/>
-              </a:rPr>
-              <a:t>	</a:t>
-            </a:r>
-            <a:r>
-              <a:rPr lang="en-US" b="1" i="1" dirty="0" err="1">
-                <a:solidFill>
-                  <a:srgbClr val="0070C0"/>
-                </a:solidFill>
-                <a:latin typeface="Consolas" panose="020B0609020204030204" pitchFamily="49" charset="0"/>
-              </a:rPr>
-              <a:t>ssid</a:t>
-            </a:r>
-            <a:r>
-              <a:rPr lang="en-US" b="1" i="1" dirty="0">
-                <a:solidFill>
-                  <a:srgbClr val="0070C0"/>
-                </a:solidFill>
-                <a:latin typeface="Consolas" panose="020B0609020204030204" pitchFamily="49" charset="0"/>
-              </a:rPr>
-              <a:t>="AndroidAP2"	</a:t>
-            </a:r>
-          </a:p>
-          <a:p>
-            <a:r>
-              <a:rPr lang="en-US" b="1" i="1" dirty="0">
-                <a:solidFill>
-                  <a:srgbClr val="0070C0"/>
-                </a:solidFill>
-                <a:latin typeface="Consolas" panose="020B0609020204030204" pitchFamily="49" charset="0"/>
-              </a:rPr>
-              <a:t>	</a:t>
-            </a:r>
-            <a:r>
-              <a:rPr lang="en-US" b="1" i="1" dirty="0" err="1">
-                <a:solidFill>
-                  <a:srgbClr val="0070C0"/>
-                </a:solidFill>
-                <a:latin typeface="Consolas" panose="020B0609020204030204" pitchFamily="49" charset="0"/>
-              </a:rPr>
-              <a:t>psk</a:t>
-            </a:r>
-            <a:r>
-              <a:rPr lang="en-US" b="1" i="1" dirty="0">
-                <a:solidFill>
-                  <a:srgbClr val="0070C0"/>
-                </a:solidFill>
-                <a:latin typeface="Consolas" panose="020B0609020204030204" pitchFamily="49" charset="0"/>
-              </a:rPr>
-              <a:t>="cfjr8062123"	</a:t>
-            </a:r>
-          </a:p>
-          <a:p>
-            <a:r>
-              <a:rPr lang="en-US" b="1" i="1" dirty="0">
-                <a:solidFill>
-                  <a:srgbClr val="0070C0"/>
-                </a:solidFill>
-                <a:latin typeface="Consolas" panose="020B0609020204030204" pitchFamily="49" charset="0"/>
-              </a:rPr>
-              <a:t>	</a:t>
-            </a:r>
-            <a:r>
-              <a:rPr lang="en-US" b="1" i="1" dirty="0" err="1">
-                <a:solidFill>
-                  <a:srgbClr val="0070C0"/>
-                </a:solidFill>
-                <a:latin typeface="Consolas" panose="020B0609020204030204" pitchFamily="49" charset="0"/>
-              </a:rPr>
-              <a:t>key_mgmt</a:t>
-            </a:r>
-            <a:r>
-              <a:rPr lang="en-US" b="1" i="1" dirty="0">
-                <a:solidFill>
-                  <a:srgbClr val="0070C0"/>
-                </a:solidFill>
-                <a:latin typeface="Consolas" panose="020B0609020204030204" pitchFamily="49" charset="0"/>
-              </a:rPr>
-              <a:t>=WPA-PSK</a:t>
-            </a:r>
-          </a:p>
-          <a:p>
-            <a:r>
-              <a:rPr lang="en-US" b="1" i="1" dirty="0">
-                <a:solidFill>
-                  <a:srgbClr val="0070C0"/>
-                </a:solidFill>
-                <a:latin typeface="Consolas" panose="020B0609020204030204" pitchFamily="49" charset="0"/>
-              </a:rPr>
-              <a:t>}</a:t>
-            </a:r>
-            <a:endParaRPr lang="en-US" dirty="0"/>
-          </a:p>
-        </p:txBody>
-      </p:sp>
-      <p:pic>
-        <p:nvPicPr>
-          <p:cNvPr id="9" name="Picture 8"/>
-          <p:cNvPicPr>
-            <a:picLocks noChangeAspect="1"/>
-          </p:cNvPicPr>
-          <p:nvPr/>
-        </p:nvPicPr>
-        <p:blipFill>
-          <a:blip r:embed="rId2"/>
-          <a:stretch>
-            <a:fillRect/>
-          </a:stretch>
-        </p:blipFill>
-        <p:spPr>
-          <a:xfrm>
-            <a:off x="7420646" y="1442433"/>
-            <a:ext cx="4305300" cy="4162425"/>
-          </a:xfrm>
-          <a:prstGeom prst="rect">
-            <a:avLst/>
-          </a:prstGeom>
-        </p:spPr>
-      </p:pic>
-    </p:spTree>
-    <p:extLst>
-      <p:ext uri="{BB962C8B-B14F-4D97-AF65-F5344CB8AC3E}">
-        <p14:creationId xmlns:p14="http://schemas.microsoft.com/office/powerpoint/2010/main" val="661765175"/>
       </p:ext>
     </p:extLst>
   </p:cSld>

--- a/session1/presentation/Setup And Management.pptx
+++ b/session1/presentation/Setup And Management.pptx
@@ -267,7 +267,7 @@
           <a:p>
             <a:fld id="{1139FA4A-C808-4981-8BA9-64217A6CCEA7}" type="datetimeFigureOut">
               <a:rPr lang="en-US" smtClean="0"/>
-              <a:t>11/15/2017</a:t>
+              <a:t>3/26/2018</a:t>
             </a:fld>
             <a:endParaRPr lang="en-US"/>
           </a:p>
@@ -435,7 +435,7 @@
           <a:p>
             <a:fld id="{1139FA4A-C808-4981-8BA9-64217A6CCEA7}" type="datetimeFigureOut">
               <a:rPr lang="en-US" smtClean="0"/>
-              <a:t>11/15/2017</a:t>
+              <a:t>3/26/2018</a:t>
             </a:fld>
             <a:endParaRPr lang="en-US"/>
           </a:p>
@@ -613,7 +613,7 @@
           <a:p>
             <a:fld id="{1139FA4A-C808-4981-8BA9-64217A6CCEA7}" type="datetimeFigureOut">
               <a:rPr lang="en-US" smtClean="0"/>
-              <a:t>11/15/2017</a:t>
+              <a:t>3/26/2018</a:t>
             </a:fld>
             <a:endParaRPr lang="en-US"/>
           </a:p>
@@ -781,7 +781,7 @@
           <a:p>
             <a:fld id="{1139FA4A-C808-4981-8BA9-64217A6CCEA7}" type="datetimeFigureOut">
               <a:rPr lang="en-US" smtClean="0"/>
-              <a:t>11/15/2017</a:t>
+              <a:t>3/26/2018</a:t>
             </a:fld>
             <a:endParaRPr lang="en-US"/>
           </a:p>
@@ -1026,7 +1026,7 @@
           <a:p>
             <a:fld id="{1139FA4A-C808-4981-8BA9-64217A6CCEA7}" type="datetimeFigureOut">
               <a:rPr lang="en-US" smtClean="0"/>
-              <a:t>11/15/2017</a:t>
+              <a:t>3/26/2018</a:t>
             </a:fld>
             <a:endParaRPr lang="en-US"/>
           </a:p>
@@ -1255,7 +1255,7 @@
           <a:p>
             <a:fld id="{1139FA4A-C808-4981-8BA9-64217A6CCEA7}" type="datetimeFigureOut">
               <a:rPr lang="en-US" smtClean="0"/>
-              <a:t>11/15/2017</a:t>
+              <a:t>3/26/2018</a:t>
             </a:fld>
             <a:endParaRPr lang="en-US"/>
           </a:p>
@@ -1619,7 +1619,7 @@
           <a:p>
             <a:fld id="{1139FA4A-C808-4981-8BA9-64217A6CCEA7}" type="datetimeFigureOut">
               <a:rPr lang="en-US" smtClean="0"/>
-              <a:t>11/15/2017</a:t>
+              <a:t>3/26/2018</a:t>
             </a:fld>
             <a:endParaRPr lang="en-US"/>
           </a:p>
@@ -1736,7 +1736,7 @@
           <a:p>
             <a:fld id="{1139FA4A-C808-4981-8BA9-64217A6CCEA7}" type="datetimeFigureOut">
               <a:rPr lang="en-US" smtClean="0"/>
-              <a:t>11/15/2017</a:t>
+              <a:t>3/26/2018</a:t>
             </a:fld>
             <a:endParaRPr lang="en-US"/>
           </a:p>
@@ -1831,7 +1831,7 @@
           <a:p>
             <a:fld id="{1139FA4A-C808-4981-8BA9-64217A6CCEA7}" type="datetimeFigureOut">
               <a:rPr lang="en-US" smtClean="0"/>
-              <a:t>11/15/2017</a:t>
+              <a:t>3/26/2018</a:t>
             </a:fld>
             <a:endParaRPr lang="en-US"/>
           </a:p>
@@ -2106,7 +2106,7 @@
           <a:p>
             <a:fld id="{1139FA4A-C808-4981-8BA9-64217A6CCEA7}" type="datetimeFigureOut">
               <a:rPr lang="en-US" smtClean="0"/>
-              <a:t>11/15/2017</a:t>
+              <a:t>3/26/2018</a:t>
             </a:fld>
             <a:endParaRPr lang="en-US"/>
           </a:p>
@@ -2358,7 +2358,7 @@
           <a:p>
             <a:fld id="{1139FA4A-C808-4981-8BA9-64217A6CCEA7}" type="datetimeFigureOut">
               <a:rPr lang="en-US" smtClean="0"/>
-              <a:t>11/15/2017</a:t>
+              <a:t>3/26/2018</a:t>
             </a:fld>
             <a:endParaRPr lang="en-US"/>
           </a:p>
@@ -2569,7 +2569,7 @@
           <a:p>
             <a:fld id="{1139FA4A-C808-4981-8BA9-64217A6CCEA7}" type="datetimeFigureOut">
               <a:rPr lang="en-US" smtClean="0"/>
-              <a:t>11/15/2017</a:t>
+              <a:t>3/26/2018</a:t>
             </a:fld>
             <a:endParaRPr lang="en-US"/>
           </a:p>
@@ -3009,14 +3009,38 @@
           <a:lstStyle/>
           <a:p>
             <a:r>
-              <a:rPr lang="en-US" dirty="0"/>
+              <a:rPr lang="en-US" b="1" dirty="0">
+                <a:effectLst>
+                  <a:outerShdw blurRad="38100" dist="38100" dir="2700000" algn="tl">
+                    <a:srgbClr val="000000">
+                      <a:alpha val="43137"/>
+                    </a:srgbClr>
+                  </a:outerShdw>
+                </a:effectLst>
+              </a:rPr>
               <a:t>Setup &amp; Management</a:t>
             </a:r>
             <a:br>
-              <a:rPr lang="en-US" dirty="0"/>
+              <a:rPr lang="en-US" b="1" dirty="0">
+                <a:effectLst>
+                  <a:outerShdw blurRad="38100" dist="38100" dir="2700000" algn="tl">
+                    <a:srgbClr val="000000">
+                      <a:alpha val="43137"/>
+                    </a:srgbClr>
+                  </a:outerShdw>
+                </a:effectLst>
+              </a:rPr>
             </a:br>
             <a:r>
-              <a:rPr lang="en-US" dirty="0"/>
+              <a:rPr lang="en-US" b="1" dirty="0">
+                <a:effectLst>
+                  <a:outerShdw blurRad="38100" dist="38100" dir="2700000" algn="tl">
+                    <a:srgbClr val="000000">
+                      <a:alpha val="43137"/>
+                    </a:srgbClr>
+                  </a:outerShdw>
+                </a:effectLst>
+              </a:rPr>
               <a:t>Raspberry pi</a:t>
             </a:r>
           </a:p>
@@ -3307,7 +3331,15 @@
           </a:lstStyle>
           <a:p>
             <a:r>
-              <a:rPr lang="en-US" dirty="0"/>
+              <a:rPr lang="en-US" b="1" dirty="0">
+                <a:effectLst>
+                  <a:outerShdw blurRad="38100" dist="38100" dir="2700000" algn="tl">
+                    <a:srgbClr val="000000">
+                      <a:alpha val="43137"/>
+                    </a:srgbClr>
+                  </a:outerShdw>
+                </a:effectLst>
+              </a:rPr>
               <a:t>Connect with serial line</a:t>
             </a:r>
           </a:p>
@@ -3392,6 +3424,10 @@
               <a:rPr lang="en-US" dirty="0"/>
               <a:t> file which is located in the </a:t>
             </a:r>
+            <a:r>
+              <a:rPr lang="fa-IR" dirty="0"/>
+              <a:t/>
+            </a:r>
             <a:br>
               <a:rPr lang="fa-IR" dirty="0"/>
             </a:br>
@@ -3442,6 +3478,10 @@
             </a:r>
           </a:p>
           <a:p>
+            <a:r>
+              <a:rPr lang="en-US" dirty="0"/>
+              <a:t/>
+            </a:r>
             <a:br>
               <a:rPr lang="en-US" dirty="0"/>
             </a:br>
@@ -3868,7 +3908,15 @@
           </a:lstStyle>
           <a:p>
             <a:r>
-              <a:rPr lang="en-US" dirty="0"/>
+              <a:rPr lang="en-US" b="1" dirty="0">
+                <a:effectLst>
+                  <a:outerShdw blurRad="38100" dist="38100" dir="2700000" algn="tl">
+                    <a:srgbClr val="000000">
+                      <a:alpha val="43137"/>
+                    </a:srgbClr>
+                  </a:outerShdw>
+                </a:effectLst>
+              </a:rPr>
               <a:t>Using All the Storage on the SD Card </a:t>
             </a:r>
           </a:p>
@@ -3934,22 +3982,51 @@
             </a:pPr>
             <a:r>
               <a:rPr lang="en-US" sz="2000" dirty="0"/>
-              <a:t>You can  start it any time you need to adjust the configuration by opening a Terminal session and issuing the command: 	$ </a:t>
-            </a:r>
-            <a:r>
-              <a:rPr lang="en-US" sz="2000" dirty="0" err="1"/>
+              <a:t>You can  start it any time you need to adjust the configuration by opening a Terminal session and issuing the command: 	</a:t>
+            </a:r>
+            <a:r>
+              <a:rPr lang="en-US" b="1" i="1" dirty="0">
+                <a:solidFill>
+                  <a:srgbClr val="0070C0"/>
+                </a:solidFill>
+                <a:latin typeface="Consolas" panose="020B0609020204030204" pitchFamily="49" charset="0"/>
+              </a:rPr>
+              <a:t>$ </a:t>
+            </a:r>
+            <a:r>
+              <a:rPr lang="en-US" b="1" i="1" dirty="0" err="1">
+                <a:solidFill>
+                  <a:srgbClr val="0070C0"/>
+                </a:solidFill>
+                <a:latin typeface="Consolas" panose="020B0609020204030204" pitchFamily="49" charset="0"/>
+              </a:rPr>
               <a:t>sudo</a:t>
             </a:r>
             <a:r>
-              <a:rPr lang="en-US" sz="2000" dirty="0"/>
+              <a:rPr lang="en-US" b="1" i="1" dirty="0">
+                <a:solidFill>
+                  <a:srgbClr val="0070C0"/>
+                </a:solidFill>
+                <a:latin typeface="Consolas" panose="020B0609020204030204" pitchFamily="49" charset="0"/>
+              </a:rPr>
               <a:t> </a:t>
             </a:r>
             <a:r>
-              <a:rPr lang="en-US" sz="2000" dirty="0" err="1"/>
+              <a:rPr lang="en-US" b="1" i="1" dirty="0" err="1">
+                <a:solidFill>
+                  <a:srgbClr val="0070C0"/>
+                </a:solidFill>
+                <a:latin typeface="Consolas" panose="020B0609020204030204" pitchFamily="49" charset="0"/>
+              </a:rPr>
               <a:t>raspi-config</a:t>
             </a:r>
             <a:r>
-              <a:rPr lang="en-US" sz="2000" dirty="0"/>
+              <a:rPr lang="en-US" b="1" i="1" dirty="0">
+                <a:solidFill>
+                  <a:srgbClr val="0070C0"/>
+                </a:solidFill>
+                <a:latin typeface="Consolas" panose="020B0609020204030204" pitchFamily="49" charset="0"/>
+              </a:rPr>
               <a:t> </a:t>
             </a:r>
           </a:p>
@@ -4250,7 +4327,15 @@
           </a:lstStyle>
           <a:p>
             <a:r>
-              <a:rPr lang="en-US" dirty="0"/>
+              <a:rPr lang="en-US" b="1" dirty="0">
+                <a:effectLst>
+                  <a:outerShdw blurRad="38100" dist="38100" dir="2700000" algn="tl">
+                    <a:srgbClr val="000000">
+                      <a:alpha val="43137"/>
+                    </a:srgbClr>
+                  </a:outerShdw>
+                </a:effectLst>
+              </a:rPr>
               <a:t>Install HDMI LCD</a:t>
             </a:r>
           </a:p>
@@ -4291,6 +4376,10 @@
               <a:rPr lang="en-US" dirty="0"/>
               <a:t>1) Copy the LCD driver to the micro SD card (or copy the driver to the system</a:t>
             </a:r>
+            <a:r>
+              <a:rPr lang="fa-IR" dirty="0"/>
+              <a:t/>
+            </a:r>
             <a:br>
               <a:rPr lang="fa-IR" dirty="0"/>
             </a:br>
@@ -4321,6 +4410,10 @@
               <a:rPr lang="en-US" dirty="0"/>
               <a:t> file which is located in the </a:t>
             </a:r>
+            <a:r>
+              <a:rPr lang="fa-IR" dirty="0"/>
+              <a:t/>
+            </a:r>
             <a:br>
               <a:rPr lang="fa-IR" dirty="0"/>
             </a:br>
@@ -4375,6 +4468,10 @@
             </a:r>
           </a:p>
           <a:p>
+            <a:r>
+              <a:rPr lang="en-US" dirty="0"/>
+              <a:t/>
+            </a:r>
             <a:br>
               <a:rPr lang="en-US" dirty="0"/>
             </a:br>
@@ -4669,7 +4766,15 @@
           </a:lstStyle>
           <a:p>
             <a:r>
-              <a:rPr lang="en-US" dirty="0"/>
+              <a:rPr lang="en-US" b="1" dirty="0">
+                <a:effectLst>
+                  <a:outerShdw blurRad="38100" dist="38100" dir="2700000" algn="tl">
+                    <a:srgbClr val="000000">
+                      <a:alpha val="43137"/>
+                    </a:srgbClr>
+                  </a:outerShdw>
+                </a:effectLst>
+              </a:rPr>
               <a:t>Install HDMI LCD</a:t>
             </a:r>
           </a:p>
@@ -5091,7 +5196,15 @@
           </a:lstStyle>
           <a:p>
             <a:r>
-              <a:rPr lang="en-US" dirty="0"/>
+              <a:rPr lang="en-US" b="1" dirty="0">
+                <a:effectLst>
+                  <a:outerShdw blurRad="38100" dist="38100" dir="2700000" algn="tl">
+                    <a:srgbClr val="000000">
+                      <a:alpha val="43137"/>
+                    </a:srgbClr>
+                  </a:outerShdw>
+                </a:effectLst>
+              </a:rPr>
               <a:t>Install Virtual Keyboard</a:t>
             </a:r>
           </a:p>
@@ -5971,7 +6084,15 @@
           </a:lstStyle>
           <a:p>
             <a:r>
-              <a:rPr lang="en-US" dirty="0"/>
+              <a:rPr lang="en-US" b="1" dirty="0">
+                <a:effectLst>
+                  <a:outerShdw blurRad="38100" dist="38100" dir="2700000" algn="tl">
+                    <a:srgbClr val="000000">
+                      <a:alpha val="43137"/>
+                    </a:srgbClr>
+                  </a:outerShdw>
+                </a:effectLst>
+              </a:rPr>
               <a:t>Adjusting the picture size on your monitor</a:t>
             </a:r>
           </a:p>
@@ -6400,7 +6521,15 @@
           </a:lstStyle>
           <a:p>
             <a:r>
-              <a:rPr lang="en-US" dirty="0"/>
+              <a:rPr lang="en-US" b="1" dirty="0">
+                <a:effectLst>
+                  <a:outerShdw blurRad="38100" dist="38100" dir="2700000" algn="tl">
+                    <a:srgbClr val="000000">
+                      <a:alpha val="43137"/>
+                    </a:srgbClr>
+                  </a:outerShdw>
+                </a:effectLst>
+              </a:rPr>
               <a:t>Adjusting the picture size on your monitor</a:t>
             </a:r>
           </a:p>
@@ -6538,7 +6667,21 @@
             </a:pPr>
             <a:r>
               <a:rPr lang="en-US" sz="2000" dirty="0"/>
-              <a:t>For the lines to take effect, you first need to uncomment them by removing the # character from the start of each line. Then, using trial and error, change the settings until the screen fills as much of the monitor as possible. Note that the four numbers should be negative. Try setting them all to –20 to start with.</a:t>
+              <a:t>For the lines to take effect, you first need to uncomment them by removing the </a:t>
+            </a:r>
+            <a:r>
+              <a:rPr lang="en-US" sz="2000" b="1" i="1" dirty="0">
+                <a:solidFill>
+                  <a:srgbClr val="0070C0"/>
+                </a:solidFill>
+                <a:latin typeface="Consolas" panose="020B0609020204030204" pitchFamily="49" charset="0"/>
+                <a:cs typeface="Consolas" panose="020B0609020204030204" pitchFamily="49" charset="0"/>
+              </a:rPr>
+              <a:t>#</a:t>
+            </a:r>
+            <a:r>
+              <a:rPr lang="en-US" sz="2000" dirty="0"/>
+              <a:t> character from the start of each line. Then, using trial and error, change the settings until the screen fills as much of the monitor as possible. Note that the four numbers should be negative. Try setting them all to –20 to start with.</a:t>
             </a:r>
           </a:p>
           <a:p>
@@ -6779,7 +6922,15 @@
           </a:lstStyle>
           <a:p>
             <a:r>
-              <a:rPr lang="en-US" dirty="0"/>
+              <a:rPr lang="en-US" b="1" dirty="0">
+                <a:effectLst>
+                  <a:outerShdw blurRad="38100" dist="38100" dir="2700000" algn="tl">
+                    <a:srgbClr val="000000">
+                      <a:alpha val="43137"/>
+                    </a:srgbClr>
+                  </a:outerShdw>
+                </a:effectLst>
+              </a:rPr>
               <a:t>Maximizing Performance </a:t>
             </a:r>
           </a:p>
@@ -7216,7 +7367,15 @@
           </a:lstStyle>
           <a:p>
             <a:r>
-              <a:rPr lang="en-US" dirty="0"/>
+              <a:rPr lang="en-US" b="1" dirty="0">
+                <a:effectLst>
+                  <a:outerShdw blurRad="38100" dist="38100" dir="2700000" algn="tl">
+                    <a:srgbClr val="000000">
+                      <a:alpha val="43137"/>
+                    </a:srgbClr>
+                  </a:outerShdw>
+                </a:effectLst>
+              </a:rPr>
               <a:t>Maximizing Performance </a:t>
             </a:r>
           </a:p>
@@ -7451,7 +7610,15 @@
           </a:lstStyle>
           <a:p>
             <a:r>
-              <a:rPr lang="en-US" dirty="0"/>
+              <a:rPr lang="en-US" b="1" dirty="0">
+                <a:effectLst>
+                  <a:outerShdw blurRad="38100" dist="38100" dir="2700000" algn="tl">
+                    <a:srgbClr val="000000">
+                      <a:alpha val="43137"/>
+                    </a:srgbClr>
+                  </a:outerShdw>
+                </a:effectLst>
+              </a:rPr>
               <a:t>Changing Your Password </a:t>
             </a:r>
           </a:p>
@@ -8024,7 +8191,15 @@
           </a:lstStyle>
           <a:p>
             <a:r>
-              <a:rPr lang="en-US" dirty="0"/>
+              <a:rPr lang="en-US" b="1" dirty="0">
+                <a:effectLst>
+                  <a:outerShdw blurRad="38100" dist="38100" dir="2700000" algn="tl">
+                    <a:srgbClr val="000000">
+                      <a:alpha val="43137"/>
+                    </a:srgbClr>
+                  </a:outerShdw>
+                </a:effectLst>
+              </a:rPr>
               <a:t>Introduction</a:t>
             </a:r>
           </a:p>
@@ -8107,7 +8282,7 @@
           </p:cNvPicPr>
           <p:nvPr/>
         </p:nvPicPr>
-        <p:blipFill>
+        <p:blipFill rotWithShape="1">
           <a:blip r:embed="rId2">
             <a:extLst>
               <a:ext uri="{28A0092B-C50C-407E-A947-70E740481C1C}">
@@ -8115,15 +8290,13 @@
               </a:ext>
             </a:extLst>
           </a:blip>
-          <a:srcRect/>
-          <a:stretch>
-            <a:fillRect/>
-          </a:stretch>
+          <a:srcRect t="13549" b="11217"/>
+          <a:stretch/>
         </p:blipFill>
         <p:spPr bwMode="auto">
           <a:xfrm>
-            <a:off x="3380755" y="2736092"/>
-            <a:ext cx="4583802" cy="4583802"/>
+            <a:off x="3380755" y="3357154"/>
+            <a:ext cx="4583802" cy="3448595"/>
           </a:xfrm>
           <a:prstGeom prst="rect">
             <a:avLst/>
@@ -8306,7 +8479,15 @@
           </a:lstStyle>
           <a:p>
             <a:r>
-              <a:rPr lang="en-US" dirty="0"/>
+              <a:rPr lang="en-US" b="1" dirty="0">
+                <a:effectLst>
+                  <a:outerShdw blurRad="38100" dist="38100" dir="2700000" algn="tl">
+                    <a:srgbClr val="000000">
+                      <a:alpha val="43137"/>
+                    </a:srgbClr>
+                  </a:outerShdw>
+                </a:effectLst>
+              </a:rPr>
               <a:t>Changing Your Password </a:t>
             </a:r>
           </a:p>
@@ -8438,7 +8619,7 @@
         </p:style>
         <p:txBody>
           <a:bodyPr vert="horz" lIns="91440" tIns="45720" rIns="91440" bIns="45720" rtlCol="0" anchor="ctr">
-            <a:normAutofit fontScale="92500"/>
+            <a:normAutofit fontScale="85000" lnSpcReduction="10000"/>
           </a:bodyPr>
           <a:lstStyle>
             <a:lvl1pPr algn="l" defTabSz="914400" rtl="0" eaLnBrk="1" latinLnBrk="0" hangingPunct="1">
@@ -8541,8 +8722,28 @@
           </a:lstStyle>
           <a:p>
             <a:r>
-              <a:rPr lang="en-US" dirty="0"/>
-              <a:t> Setting the Pi to Boot Straight into a Windowing System </a:t>
+              <a:rPr lang="en-US" b="1" dirty="0" smtClean="0">
+                <a:effectLst>
+                  <a:outerShdw blurRad="38100" dist="38100" dir="2700000" algn="tl">
+                    <a:srgbClr val="000000">
+                      <a:alpha val="43137"/>
+                    </a:srgbClr>
+                  </a:outerShdw>
+                </a:effectLst>
+              </a:rPr>
+              <a:t>Setting </a:t>
+            </a:r>
+            <a:r>
+              <a:rPr lang="en-US" b="1" dirty="0">
+                <a:effectLst>
+                  <a:outerShdw blurRad="38100" dist="38100" dir="2700000" algn="tl">
+                    <a:srgbClr val="000000">
+                      <a:alpha val="43137"/>
+                    </a:srgbClr>
+                  </a:outerShdw>
+                </a:effectLst>
+              </a:rPr>
+              <a:t>the Pi to Boot Straight into a Windowing System </a:t>
             </a:r>
           </a:p>
         </p:txBody>
@@ -8960,8 +9161,28 @@
           </a:lstStyle>
           <a:p>
             <a:r>
-              <a:rPr lang="en-US" dirty="0"/>
-              <a:t> Shutting Down Your Raspberry Pi </a:t>
+              <a:rPr lang="en-US" b="1" dirty="0" smtClean="0">
+                <a:effectLst>
+                  <a:outerShdw blurRad="38100" dist="38100" dir="2700000" algn="tl">
+                    <a:srgbClr val="000000">
+                      <a:alpha val="43137"/>
+                    </a:srgbClr>
+                  </a:outerShdw>
+                </a:effectLst>
+              </a:rPr>
+              <a:t>Shutting </a:t>
+            </a:r>
+            <a:r>
+              <a:rPr lang="en-US" b="1" dirty="0">
+                <a:effectLst>
+                  <a:outerShdw blurRad="38100" dist="38100" dir="2700000" algn="tl">
+                    <a:srgbClr val="000000">
+                      <a:alpha val="43137"/>
+                    </a:srgbClr>
+                  </a:outerShdw>
+                </a:effectLst>
+              </a:rPr>
+              <a:t>Down Your Raspberry Pi </a:t>
             </a:r>
           </a:p>
         </p:txBody>
@@ -9428,17 +9649,50 @@
           </a:lstStyle>
           <a:p>
             <a:r>
-              <a:rPr lang="en-US" dirty="0"/>
+              <a:rPr lang="en-US" b="1" dirty="0">
+                <a:effectLst>
+                  <a:outerShdw blurRad="38100" dist="38100" dir="2700000" algn="tl">
+                    <a:srgbClr val="000000">
+                      <a:alpha val="43137"/>
+                    </a:srgbClr>
+                  </a:outerShdw>
+                </a:effectLst>
+              </a:rPr>
               <a:t>Contact</a:t>
             </a:r>
             <a:r>
-              <a:rPr lang="fa-IR" dirty="0"/>
+              <a:rPr lang="fa-IR" b="1" dirty="0">
+                <a:effectLst>
+                  <a:outerShdw blurRad="38100" dist="38100" dir="2700000" algn="tl">
+                    <a:srgbClr val="000000">
+                      <a:alpha val="43137"/>
+                    </a:srgbClr>
+                  </a:outerShdw>
+                </a:effectLst>
+              </a:rPr>
               <a:t> </a:t>
             </a:r>
             <a:r>
-              <a:rPr lang="en-US" dirty="0"/>
-              <a:t> us</a:t>
-            </a:r>
+              <a:rPr lang="en-US" b="1" dirty="0" smtClean="0">
+                <a:effectLst>
+                  <a:outerShdw blurRad="38100" dist="38100" dir="2700000" algn="tl">
+                    <a:srgbClr val="000000">
+                      <a:alpha val="43137"/>
+                    </a:srgbClr>
+                  </a:outerShdw>
+                </a:effectLst>
+              </a:rPr>
+              <a:t>us</a:t>
+            </a:r>
+            <a:endParaRPr lang="en-US" b="1" dirty="0">
+              <a:effectLst>
+                <a:outerShdw blurRad="38100" dist="38100" dir="2700000" algn="tl">
+                  <a:srgbClr val="000000">
+                    <a:alpha val="43137"/>
+                  </a:srgbClr>
+                </a:outerShdw>
+              </a:effectLst>
+            </a:endParaRPr>
           </a:p>
         </p:txBody>
       </p:sp>
@@ -9753,8 +10007,28 @@
           </a:lstStyle>
           <a:p>
             <a:r>
-              <a:rPr lang="en-US" dirty="0"/>
-              <a:t>Enclosing a Raspberry Pi </a:t>
+              <a:rPr lang="en-US" b="1" dirty="0" smtClean="0">
+                <a:effectLst>
+                  <a:outerShdw blurRad="38100" dist="38100" dir="2700000" algn="tl">
+                    <a:srgbClr val="000000">
+                      <a:alpha val="43137"/>
+                    </a:srgbClr>
+                  </a:outerShdw>
+                </a:effectLst>
+              </a:rPr>
+              <a:t>Enclosing </a:t>
+            </a:r>
+            <a:r>
+              <a:rPr lang="en-US" b="1" dirty="0">
+                <a:effectLst>
+                  <a:outerShdw blurRad="38100" dist="38100" dir="2700000" algn="tl">
+                    <a:srgbClr val="000000">
+                      <a:alpha val="43137"/>
+                    </a:srgbClr>
+                  </a:outerShdw>
+                </a:effectLst>
+              </a:rPr>
+              <a:t>a Raspberry Pi </a:t>
             </a:r>
           </a:p>
         </p:txBody>
@@ -10137,7 +10411,15 @@
           </a:lstStyle>
           <a:p>
             <a:r>
-              <a:rPr lang="en-US" dirty="0"/>
+              <a:rPr lang="en-US" b="1" dirty="0">
+                <a:effectLst>
+                  <a:outerShdw blurRad="38100" dist="38100" dir="2700000" algn="tl">
+                    <a:srgbClr val="000000">
+                      <a:alpha val="43137"/>
+                    </a:srgbClr>
+                  </a:outerShdw>
+                </a:effectLst>
+              </a:rPr>
               <a:t>Selecting a power supply</a:t>
             </a:r>
           </a:p>
@@ -10584,7 +10866,15 @@
           </a:lstStyle>
           <a:p>
             <a:r>
-              <a:rPr lang="en-US" dirty="0"/>
+              <a:rPr lang="en-US" b="1" dirty="0">
+                <a:effectLst>
+                  <a:outerShdw blurRad="38100" dist="38100" dir="2700000" algn="tl">
+                    <a:srgbClr val="000000">
+                      <a:alpha val="43137"/>
+                    </a:srgbClr>
+                  </a:outerShdw>
+                </a:effectLst>
+              </a:rPr>
               <a:t>Selecting an Operating System Distribution</a:t>
             </a:r>
           </a:p>
@@ -10912,7 +11202,15 @@
           </a:lstStyle>
           <a:p>
             <a:r>
-              <a:rPr lang="en-US" dirty="0"/>
+              <a:rPr lang="en-US" b="1" dirty="0">
+                <a:effectLst>
+                  <a:outerShdw blurRad="38100" dist="38100" dir="2700000" algn="tl">
+                    <a:srgbClr val="000000">
+                      <a:alpha val="43137"/>
+                    </a:srgbClr>
+                  </a:outerShdw>
+                </a:effectLst>
+              </a:rPr>
               <a:t>Install Operation System</a:t>
             </a:r>
           </a:p>
@@ -11292,7 +11590,15 @@
           </a:lstStyle>
           <a:p>
             <a:r>
-              <a:rPr lang="en-US" dirty="0"/>
+              <a:rPr lang="en-US" b="1" dirty="0">
+                <a:effectLst>
+                  <a:outerShdw blurRad="38100" dist="38100" dir="2700000" algn="tl">
+                    <a:srgbClr val="000000">
+                      <a:alpha val="43137"/>
+                    </a:srgbClr>
+                  </a:outerShdw>
+                </a:effectLst>
+              </a:rPr>
               <a:t>Linux Interfaces</a:t>
             </a:r>
           </a:p>
@@ -11553,7 +11859,15 @@
           </a:lstStyle>
           <a:p>
             <a:r>
-              <a:rPr lang="en-US" dirty="0"/>
+              <a:rPr lang="en-US" b="1" dirty="0">
+                <a:effectLst>
+                  <a:outerShdw blurRad="38100" dist="38100" dir="2700000" algn="tl">
+                    <a:srgbClr val="000000">
+                      <a:alpha val="43137"/>
+                    </a:srgbClr>
+                  </a:outerShdw>
+                </a:effectLst>
+              </a:rPr>
               <a:t>Get course files and projects</a:t>
             </a:r>
           </a:p>
@@ -11961,7 +12275,15 @@
           </a:lstStyle>
           <a:p>
             <a:r>
-              <a:rPr lang="en-US" dirty="0"/>
+              <a:rPr lang="en-US" b="1" dirty="0">
+                <a:effectLst>
+                  <a:outerShdw blurRad="38100" dist="38100" dir="2700000" algn="tl">
+                    <a:srgbClr val="000000">
+                      <a:alpha val="43137"/>
+                    </a:srgbClr>
+                  </a:outerShdw>
+                </a:effectLst>
+              </a:rPr>
               <a:t>Connect with serial line</a:t>
             </a:r>
           </a:p>
